--- a/insights.pptx
+++ b/insights.pptx
@@ -7278,8 +7278,8 @@
         </p:nvSpPr>
         <p:spPr>
           <a:xfrm>
-            <a:off x="755607" y="1255571"/>
-            <a:ext cx="7815943" cy="400110"/>
+            <a:off x="504358" y="1407575"/>
+            <a:ext cx="7815943" cy="523220"/>
           </a:xfrm>
           <a:prstGeom prst="rect">
             <a:avLst/>
@@ -7293,14 +7293,14 @@
           <a:lstStyle/>
           <a:p>
             <a:r>
-              <a:rPr lang="nb-NO" sz="2000" dirty="0" smtClean="0"/>
+              <a:rPr lang="nb-NO" sz="2800" dirty="0" smtClean="0"/>
               <a:t>Single-Container-Management </a:t>
             </a:r>
             <a:r>
-              <a:rPr lang="nb-NO" sz="2000" dirty="0" err="1" smtClean="0"/>
+              <a:rPr lang="nb-NO" sz="2800" dirty="0" err="1" smtClean="0"/>
               <a:t>Pattern</a:t>
             </a:r>
-            <a:endParaRPr lang="en-US" sz="2000" dirty="0"/>
+            <a:endParaRPr lang="en-US" sz="2800" dirty="0"/>
           </a:p>
         </p:txBody>
       </p:sp>
@@ -7312,8 +7312,8 @@
         </p:nvSpPr>
         <p:spPr>
           <a:xfrm>
-            <a:off x="740228" y="760916"/>
-            <a:ext cx="10189030" cy="600164"/>
+            <a:off x="504358" y="529849"/>
+            <a:ext cx="10189030" cy="999697"/>
           </a:xfrm>
           <a:prstGeom prst="rect">
             <a:avLst/>
@@ -7326,67 +7326,75 @@
           </a:bodyPr>
           <a:lstStyle/>
           <a:p>
-            <a:r>
-              <a:rPr lang="nb-NO" sz="3300" dirty="0" smtClean="0"/>
+            <a:pPr>
+              <a:lnSpc>
+                <a:spcPts val="3500"/>
+              </a:lnSpc>
+            </a:pPr>
+            <a:r>
+              <a:rPr lang="nb-NO" sz="3600" b="1" dirty="0" smtClean="0"/>
               <a:t>A </a:t>
             </a:r>
             <a:r>
-              <a:rPr lang="nb-NO" sz="3300" dirty="0" err="1" smtClean="0"/>
+              <a:rPr lang="nb-NO" sz="3600" b="1" dirty="0" err="1" smtClean="0"/>
               <a:t>rich</a:t>
             </a:r>
             <a:r>
-              <a:rPr lang="nb-NO" sz="3300" dirty="0" smtClean="0"/>
-              <a:t> management </a:t>
-            </a:r>
-            <a:r>
-              <a:rPr lang="nb-NO" sz="3300" dirty="0" err="1" smtClean="0"/>
+              <a:rPr lang="nb-NO" sz="3600" b="1" dirty="0" smtClean="0"/>
+              <a:t> container management </a:t>
+            </a:r>
+            <a:r>
+              <a:rPr lang="nb-NO" sz="3600" b="1" dirty="0" err="1" smtClean="0"/>
               <a:t>interface</a:t>
             </a:r>
             <a:r>
-              <a:rPr lang="nb-NO" sz="3300" dirty="0" smtClean="0"/>
+              <a:rPr lang="nb-NO" sz="3600" b="1" dirty="0" smtClean="0"/>
               <a:t> </a:t>
             </a:r>
-            <a:r>
-              <a:rPr lang="nb-NO" sz="3300" dirty="0" err="1" smtClean="0"/>
+            <a:br>
+              <a:rPr lang="nb-NO" sz="3600" b="1" dirty="0" smtClean="0"/>
+            </a:br>
+            <a:r>
+              <a:rPr lang="nb-NO" sz="3600" b="1" dirty="0" err="1" smtClean="0"/>
               <a:t>will</a:t>
             </a:r>
             <a:r>
-              <a:rPr lang="nb-NO" sz="3300" dirty="0" smtClean="0"/>
+              <a:rPr lang="nb-NO" sz="3600" b="1" dirty="0" smtClean="0"/>
               <a:t> </a:t>
             </a:r>
             <a:r>
-              <a:rPr lang="nb-NO" sz="3300" dirty="0" err="1" smtClean="0"/>
+              <a:rPr lang="nb-NO" sz="3600" b="1" dirty="0" err="1" smtClean="0"/>
               <a:t>give</a:t>
             </a:r>
             <a:r>
-              <a:rPr lang="nb-NO" sz="3300" dirty="0" smtClean="0"/>
+              <a:rPr lang="nb-NO" sz="3600" b="1" dirty="0" smtClean="0"/>
               <a:t> </a:t>
             </a:r>
             <a:r>
-              <a:rPr lang="nb-NO" sz="3300" dirty="0" err="1" smtClean="0"/>
+              <a:rPr lang="nb-NO" sz="3600" b="1" dirty="0" err="1" smtClean="0"/>
               <a:t>you</a:t>
             </a:r>
             <a:r>
-              <a:rPr lang="nb-NO" sz="3300" dirty="0" smtClean="0"/>
+              <a:rPr lang="nb-NO" sz="3600" b="1" dirty="0" smtClean="0"/>
               <a:t> </a:t>
             </a:r>
             <a:r>
-              <a:rPr lang="nb-NO" sz="3300" dirty="0" err="1" smtClean="0"/>
+              <a:rPr lang="nb-NO" sz="3600" b="1" dirty="0" err="1" smtClean="0"/>
               <a:t>better</a:t>
             </a:r>
             <a:r>
-              <a:rPr lang="nb-NO" sz="3300" dirty="0" smtClean="0"/>
+              <a:rPr lang="nb-NO" sz="3600" b="1" dirty="0" smtClean="0"/>
               <a:t> </a:t>
             </a:r>
             <a:r>
-              <a:rPr lang="nb-NO" sz="3300" dirty="0" err="1" smtClean="0"/>
+              <a:rPr lang="nb-NO" sz="3600" b="1" dirty="0" err="1" smtClean="0"/>
               <a:t>control</a:t>
             </a:r>
             <a:r>
-              <a:rPr lang="nb-NO" sz="3300" dirty="0" smtClean="0"/>
+              <a:rPr lang="nb-NO" sz="3600" b="1" dirty="0" smtClean="0"/>
               <a:t>.</a:t>
             </a:r>
-            <a:endParaRPr lang="en-US" sz="3300" dirty="0"/>
+            <a:endParaRPr lang="en-US" sz="3600" b="1" dirty="0"/>
           </a:p>
         </p:txBody>
       </p:sp>
@@ -7398,8 +7406,8 @@
         </p:nvSpPr>
         <p:spPr>
           <a:xfrm>
-            <a:off x="9418903" y="5484717"/>
-            <a:ext cx="1062344" cy="307777"/>
+            <a:off x="9253971" y="5467689"/>
+            <a:ext cx="1413980" cy="401321"/>
           </a:xfrm>
           <a:prstGeom prst="rect">
             <a:avLst/>
@@ -7413,7 +7421,7 @@
           <a:lstStyle/>
           <a:p>
             <a:r>
-              <a:rPr lang="nb-NO" sz="1400" dirty="0" smtClean="0">
+              <a:rPr lang="nb-NO" dirty="0" smtClean="0">
                 <a:solidFill>
                   <a:schemeClr val="bg2">
                     <a:lumMod val="75000"/>
@@ -7422,7 +7430,7 @@
               </a:rPr>
               <a:t>Sven Malvik</a:t>
             </a:r>
-            <a:endParaRPr lang="en-US" sz="1400" dirty="0">
+            <a:endParaRPr lang="en-US" dirty="0">
               <a:solidFill>
                 <a:schemeClr val="bg2">
                   <a:lumMod val="75000"/>
@@ -7440,8 +7448,8 @@
         </p:nvSpPr>
         <p:spPr>
           <a:xfrm>
-            <a:off x="820044" y="2962528"/>
-            <a:ext cx="1624355" cy="830997"/>
+            <a:off x="504358" y="2962527"/>
+            <a:ext cx="1864293" cy="954107"/>
           </a:xfrm>
           <a:prstGeom prst="rect">
             <a:avLst/>
@@ -7456,7 +7464,7 @@
           <a:p>
             <a:pPr algn="ctr"/>
             <a:r>
-              <a:rPr lang="nb-NO" sz="2400" b="1" dirty="0" err="1" smtClean="0">
+              <a:rPr lang="nb-NO" sz="2800" dirty="0" err="1" smtClean="0">
                 <a:solidFill>
                   <a:srgbClr val="44811B"/>
                 </a:solidFill>
@@ -7464,7 +7472,7 @@
               <a:t>Monitoring</a:t>
             </a:r>
             <a:r>
-              <a:rPr lang="nb-NO" sz="2400" b="1" dirty="0" smtClean="0">
+              <a:rPr lang="nb-NO" sz="2800" dirty="0" smtClean="0">
                 <a:solidFill>
                   <a:srgbClr val="44811B"/>
                 </a:solidFill>
@@ -7472,21 +7480,21 @@
               <a:t/>
             </a:r>
             <a:br>
-              <a:rPr lang="nb-NO" sz="2400" b="1" dirty="0" smtClean="0">
+              <a:rPr lang="nb-NO" sz="2800" dirty="0" smtClean="0">
                 <a:solidFill>
                   <a:srgbClr val="44811B"/>
                 </a:solidFill>
               </a:rPr>
             </a:br>
             <a:r>
-              <a:rPr lang="nb-NO" sz="2400" b="1" dirty="0" err="1" smtClean="0">
+              <a:rPr lang="nb-NO" sz="2800" dirty="0" err="1" smtClean="0">
                 <a:solidFill>
                   <a:srgbClr val="44811B"/>
                 </a:solidFill>
               </a:rPr>
               <a:t>Metrics</a:t>
             </a:r>
-            <a:endParaRPr lang="en-US" sz="2400" b="1" dirty="0">
+            <a:endParaRPr lang="en-US" sz="2800" dirty="0">
               <a:solidFill>
                 <a:srgbClr val="44811B"/>
               </a:solidFill>
@@ -7502,8 +7510,8 @@
         </p:nvSpPr>
         <p:spPr>
           <a:xfrm>
-            <a:off x="3944370" y="2962527"/>
-            <a:ext cx="1896866" cy="830997"/>
+            <a:off x="4020693" y="2962527"/>
+            <a:ext cx="2181239" cy="954107"/>
           </a:xfrm>
           <a:prstGeom prst="rect">
             <a:avLst/>
@@ -7518,7 +7526,7 @@
           <a:p>
             <a:pPr algn="ctr"/>
             <a:r>
-              <a:rPr lang="nb-NO" sz="2400" b="1" dirty="0" err="1" smtClean="0">
+              <a:rPr lang="nb-NO" sz="2800" dirty="0" err="1" smtClean="0">
                 <a:solidFill>
                   <a:srgbClr val="44811B"/>
                 </a:solidFill>
@@ -7526,7 +7534,7 @@
               <a:t>Lifecycle</a:t>
             </a:r>
             <a:r>
-              <a:rPr lang="en-US" sz="2400" b="1" dirty="0" smtClean="0">
+              <a:rPr lang="en-US" sz="2800" dirty="0" smtClean="0">
                 <a:solidFill>
                   <a:srgbClr val="44811B"/>
                 </a:solidFill>
@@ -7534,21 +7542,21 @@
               <a:t/>
             </a:r>
             <a:br>
-              <a:rPr lang="en-US" sz="2400" b="1" dirty="0" smtClean="0">
+              <a:rPr lang="en-US" sz="2800" dirty="0" smtClean="0">
                 <a:solidFill>
                   <a:srgbClr val="44811B"/>
                 </a:solidFill>
               </a:rPr>
             </a:br>
             <a:r>
-              <a:rPr lang="en-US" sz="2400" b="1" dirty="0" smtClean="0">
+              <a:rPr lang="en-US" sz="2800" dirty="0" smtClean="0">
                 <a:solidFill>
                   <a:srgbClr val="44811B"/>
                 </a:solidFill>
               </a:rPr>
               <a:t>Management</a:t>
             </a:r>
-            <a:endParaRPr lang="nb-NO" sz="2400" b="1" dirty="0" smtClean="0">
+            <a:endParaRPr lang="nb-NO" sz="2800" dirty="0" smtClean="0">
               <a:solidFill>
                 <a:srgbClr val="44811B"/>
               </a:solidFill>

--- a/insights.pptx
+++ b/insights.pptx
@@ -151,10 +151,12 @@
           </c:tx>
           <c:spPr>
             <a:solidFill>
-              <a:schemeClr val="bg1">
+              <a:schemeClr val="tx1">
                 <a:lumMod val="85000"/>
+                <a:lumOff val="15000"/>
               </a:schemeClr>
             </a:solidFill>
+            <a:ln w="6350"/>
             <a:effectLst>
               <a:outerShdw blurRad="50800" dist="50800" dir="5400000" sx="4000" sy="4000" algn="ctr" rotWithShape="0">
                 <a:srgbClr val="000000">
@@ -164,17 +166,17 @@
               <a:softEdge rad="0"/>
             </a:effectLst>
           </c:spPr>
-          <c:explosion val="4"/>
           <c:dPt>
             <c:idx val="0"/>
             <c:bubble3D val="0"/>
             <c:spPr>
               <a:solidFill>
-                <a:schemeClr val="bg1">
+                <a:schemeClr val="tx1">
                   <a:lumMod val="85000"/>
+                  <a:lumOff val="15000"/>
                 </a:schemeClr>
               </a:solidFill>
-              <a:ln w="19050">
+              <a:ln w="6350">
                 <a:solidFill>
                   <a:schemeClr val="lt1"/>
                 </a:solidFill>
@@ -199,11 +201,12 @@
             <c:bubble3D val="0"/>
             <c:spPr>
               <a:solidFill>
-                <a:schemeClr val="bg1">
+                <a:schemeClr val="tx1">
                   <a:lumMod val="85000"/>
+                  <a:lumOff val="15000"/>
                 </a:schemeClr>
               </a:solidFill>
-              <a:ln w="19050">
+              <a:ln w="6350">
                 <a:solidFill>
                   <a:schemeClr val="lt1"/>
                 </a:solidFill>
@@ -228,11 +231,12 @@
             <c:bubble3D val="0"/>
             <c:spPr>
               <a:solidFill>
-                <a:schemeClr val="bg1">
+                <a:schemeClr val="tx1">
                   <a:lumMod val="85000"/>
+                  <a:lumOff val="15000"/>
                 </a:schemeClr>
               </a:solidFill>
-              <a:ln w="19050">
+              <a:ln w="6350">
                 <a:solidFill>
                   <a:schemeClr val="lt1"/>
                 </a:solidFill>
@@ -257,8 +261,8 @@
               <c:idx val="0"/>
               <c:layout>
                 <c:manualLayout>
-                  <c:x val="-0.22602036171259848"/>
-                  <c:y val="0.14250303626334668"/>
+                  <c:x val="-0.25126576547061003"/>
+                  <c:y val="0.1897666283111783"/>
                 </c:manualLayout>
               </c:layout>
               <c:spPr>
@@ -277,9 +281,8 @@
                   <a:pPr>
                     <a:defRPr sz="2000" b="1" i="0" u="none" strike="noStrike" kern="1200" baseline="0">
                       <a:solidFill>
-                        <a:schemeClr val="tx1">
-                          <a:lumMod val="75000"/>
-                          <a:lumOff val="25000"/>
+                        <a:schemeClr val="bg1">
+                          <a:lumMod val="95000"/>
                         </a:schemeClr>
                       </a:solidFill>
                       <a:latin typeface="+mn-lt"/>
@@ -300,8 +303,8 @@
                 <c:ext xmlns:c15="http://schemas.microsoft.com/office/drawing/2012/chart" uri="{CE6537A1-D6FC-4f65-9D91-7224C49458BB}">
                   <c15:layout>
                     <c:manualLayout>
-                      <c:w val="0.20474999999999996"/>
-                      <c:h val="0.1331953043063912"/>
+                      <c:w val="0.21410015247347908"/>
+                      <c:h val="0.23283236505841831"/>
                     </c:manualLayout>
                   </c15:layout>
                 </c:ext>
@@ -314,8 +317,8 @@
               <c:idx val="1"/>
               <c:layout>
                 <c:manualLayout>
-                  <c:x val="1.266906628951997E-3"/>
-                  <c:y val="-0.15199425070005471"/>
+                  <c:x val="6.8769882843530998E-3"/>
+                  <c:y val="-0.19542580626991535"/>
                 </c:manualLayout>
               </c:layout>
               <c:spPr>
@@ -334,9 +337,8 @@
                   <a:pPr>
                     <a:defRPr sz="2000" b="1" i="0" u="none" strike="noStrike" kern="1200" baseline="0">
                       <a:solidFill>
-                        <a:schemeClr val="tx1">
-                          <a:lumMod val="75000"/>
-                          <a:lumOff val="25000"/>
+                        <a:schemeClr val="bg1">
+                          <a:lumMod val="95000"/>
                         </a:schemeClr>
                       </a:solidFill>
                       <a:latin typeface="+mn-lt"/>
@@ -357,7 +359,7 @@
                 <c:ext xmlns:c15="http://schemas.microsoft.com/office/drawing/2012/chart" uri="{CE6537A1-D6FC-4f65-9D91-7224C49458BB}">
                   <c15:layout>
                     <c:manualLayout>
-                      <c:w val="0.17524363730601228"/>
+                      <c:w val="0.2463046716077596"/>
                       <c:h val="0.20578490617657469"/>
                     </c:manualLayout>
                   </c15:layout>
@@ -371,8 +373,8 @@
               <c:idx val="2"/>
               <c:layout>
                 <c:manualLayout>
-                  <c:x val="0.23984374999999999"/>
-                  <c:y val="0.15072821415303797"/>
+                  <c:x val="0.24171375478642299"/>
+                  <c:y val="0.17755359039557114"/>
                 </c:manualLayout>
               </c:layout>
               <c:tx>
@@ -385,9 +387,8 @@
                     <a:pPr>
                       <a:defRPr sz="2000" b="1" i="0" u="none" strike="noStrike" kern="1200" baseline="0">
                         <a:solidFill>
-                          <a:schemeClr val="tx1">
-                            <a:lumMod val="75000"/>
-                            <a:lumOff val="25000"/>
+                          <a:schemeClr val="bg1">
+                            <a:lumMod val="95000"/>
                           </a:schemeClr>
                         </a:solidFill>
                         <a:latin typeface="+mn-lt"/>
@@ -396,9 +397,21 @@
                       </a:defRPr>
                     </a:pPr>
                     <a:fld id="{30148D0D-E3F6-4C71-98E8-4F408457B289}" type="CATEGORYNAME">
-                      <a:rPr lang="en-US" sz="2000" b="1" smtClean="0"/>
+                      <a:rPr lang="en-US" sz="2000" b="1" smtClean="0">
+                        <a:solidFill>
+                          <a:schemeClr val="bg1">
+                            <a:lumMod val="95000"/>
+                          </a:schemeClr>
+                        </a:solidFill>
+                      </a:rPr>
                       <a:pPr>
-                        <a:defRPr sz="2000" b="1"/>
+                        <a:defRPr sz="2000" b="1">
+                          <a:solidFill>
+                            <a:schemeClr val="bg1">
+                              <a:lumMod val="95000"/>
+                            </a:schemeClr>
+                          </a:solidFill>
+                        </a:defRPr>
                       </a:pPr>
                       <a:t>[CATEGORY NAME]</a:t>
                     </a:fld>
@@ -422,9 +435,8 @@
                   <a:pPr>
                     <a:defRPr sz="2000" b="1" i="0" u="none" strike="noStrike" kern="1200" baseline="0">
                       <a:solidFill>
-                        <a:schemeClr val="tx1">
-                          <a:lumMod val="75000"/>
-                          <a:lumOff val="25000"/>
+                        <a:schemeClr val="bg1">
+                          <a:lumMod val="95000"/>
                         </a:schemeClr>
                       </a:solidFill>
                       <a:latin typeface="+mn-lt"/>
@@ -445,8 +457,8 @@
                 <c:ext xmlns:c15="http://schemas.microsoft.com/office/drawing/2012/chart" uri="{CE6537A1-D6FC-4f65-9D91-7224C49458BB}">
                   <c15:layout>
                     <c:manualLayout>
-                      <c:w val="0.24687500000000004"/>
-                      <c:h val="0.14121092881330408"/>
+                      <c:w val="0.24687495628627315"/>
+                      <c:h val="0.21530001770253307"/>
                     </c:manualLayout>
                   </c15:layout>
                   <c15:dlblFieldTable/>
@@ -473,9 +485,8 @@
                 <a:pPr>
                   <a:defRPr sz="2000" b="0" i="0" u="none" strike="noStrike" kern="1200" baseline="0">
                     <a:solidFill>
-                      <a:schemeClr val="tx1">
-                        <a:lumMod val="75000"/>
-                        <a:lumOff val="25000"/>
+                      <a:schemeClr val="bg1">
+                        <a:lumMod val="95000"/>
                       </a:schemeClr>
                     </a:solidFill>
                     <a:latin typeface="+mn-lt"/>
@@ -517,13 +528,13 @@
               <c:strCache>
                 <c:ptCount val="3"/>
                 <c:pt idx="0">
-                  <c:v>Small changes</c:v>
+                  <c:v>Make small changes</c:v>
                 </c:pt>
                 <c:pt idx="1">
-                  <c:v>Single commit</c:v>
+                  <c:v>Provide a single commit</c:v>
                 </c:pt>
                 <c:pt idx="2">
-                  <c:v>Detailed information</c:v>
+                  <c:v>Give detailed information</c:v>
                 </c:pt>
               </c:strCache>
             </c:strRef>
@@ -3985,11 +3996,15 @@
           <p:cNvPr id="7" name="Diagram 6"/>
           <p:cNvGraphicFramePr/>
           <p:nvPr>
-            <p:extLst/>
+            <p:extLst>
+              <p:ext uri="{D42A27DB-BD31-4B8C-83A1-F6EECF244321}">
+                <p14:modId xmlns:p14="http://schemas.microsoft.com/office/powerpoint/2010/main" val="212898629"/>
+              </p:ext>
+            </p:extLst>
           </p:nvPr>
         </p:nvGraphicFramePr>
         <p:xfrm>
-          <a:off x="2800556" y="979044"/>
+          <a:off x="4999471" y="918280"/>
           <a:ext cx="6791345" cy="4971040"/>
         </p:xfrm>
         <a:graphic>
@@ -4000,14 +4015,14 @@
       </p:graphicFrame>
       <p:sp>
         <p:nvSpPr>
-          <p:cNvPr id="8" name="TekstSylinder 7"/>
+          <p:cNvPr id="9" name="TextBox 8"/>
           <p:cNvSpPr txBox="1"/>
           <p:nvPr/>
         </p:nvSpPr>
         <p:spPr>
           <a:xfrm>
-            <a:off x="660143" y="828758"/>
-            <a:ext cx="5243350" cy="2585323"/>
+            <a:off x="9434507" y="5344819"/>
+            <a:ext cx="1413980" cy="401321"/>
           </a:xfrm>
           <a:prstGeom prst="rect">
             <a:avLst/>
@@ -4020,208 +4035,8 @@
           </a:bodyPr>
           <a:lstStyle/>
           <a:p>
-            <a:pPr>
-              <a:lnSpc>
-                <a:spcPct val="150000"/>
-              </a:lnSpc>
-            </a:pPr>
-            <a:r>
-              <a:rPr lang="en-US" dirty="0" smtClean="0"/>
-              <a:t>Write a clear “What” and “How” commit message. </a:t>
-            </a:r>
-          </a:p>
-          <a:p>
-            <a:pPr>
-              <a:lnSpc>
-                <a:spcPct val="150000"/>
-              </a:lnSpc>
-            </a:pPr>
-            <a:r>
-              <a:rPr lang="en-US" dirty="0"/>
-              <a:t>Comment on changes to guide the reviewer.</a:t>
-            </a:r>
-          </a:p>
-          <a:p>
-            <a:pPr>
-              <a:lnSpc>
-                <a:spcPct val="150000"/>
-              </a:lnSpc>
-            </a:pPr>
-            <a:r>
-              <a:rPr lang="en-US" dirty="0"/>
-              <a:t>Name its type/state i.e. WIP, Fix, RFC.</a:t>
-            </a:r>
-          </a:p>
-          <a:p>
-            <a:pPr>
-              <a:lnSpc>
-                <a:spcPct val="150000"/>
-              </a:lnSpc>
-            </a:pPr>
-            <a:r>
-              <a:rPr lang="en-US" dirty="0"/>
-              <a:t>Give useful titles and descriptions</a:t>
-            </a:r>
-            <a:r>
-              <a:rPr lang="en-US" dirty="0" smtClean="0"/>
-              <a:t>.</a:t>
-            </a:r>
-          </a:p>
-          <a:p>
-            <a:pPr>
-              <a:lnSpc>
-                <a:spcPct val="150000"/>
-              </a:lnSpc>
-            </a:pPr>
-            <a:r>
-              <a:rPr lang="en-US" dirty="0"/>
-              <a:t>Welcome feedback and be polite</a:t>
-            </a:r>
-            <a:r>
-              <a:rPr lang="en-US" dirty="0" smtClean="0"/>
-              <a:t>.</a:t>
-            </a:r>
-          </a:p>
-          <a:p>
-            <a:pPr>
-              <a:lnSpc>
-                <a:spcPct val="150000"/>
-              </a:lnSpc>
-            </a:pPr>
-            <a:r>
-              <a:rPr lang="en-US" dirty="0" smtClean="0"/>
-              <a:t>Provide the purpose of the PR.</a:t>
-            </a:r>
-          </a:p>
-        </p:txBody>
-      </p:sp>
-      <p:sp>
-        <p:nvSpPr>
-          <p:cNvPr id="10" name="TekstSylinder 9"/>
-          <p:cNvSpPr txBox="1"/>
-          <p:nvPr/>
-        </p:nvSpPr>
-        <p:spPr>
-          <a:xfrm>
-            <a:off x="3347013" y="5379065"/>
-            <a:ext cx="4957011" cy="880369"/>
-          </a:xfrm>
-          <a:prstGeom prst="rect">
-            <a:avLst/>
-          </a:prstGeom>
-          <a:noFill/>
-        </p:spPr>
-        <p:txBody>
-          <a:bodyPr wrap="square" rtlCol="0">
-            <a:spAutoFit/>
-          </a:bodyPr>
-          <a:lstStyle/>
-          <a:p>
-            <a:pPr>
-              <a:lnSpc>
-                <a:spcPct val="150000"/>
-              </a:lnSpc>
-            </a:pPr>
-            <a:r>
-              <a:rPr lang="en-US" dirty="0" smtClean="0"/>
-              <a:t>Squash all commits.</a:t>
-            </a:r>
-          </a:p>
-          <a:p>
-            <a:pPr>
-              <a:lnSpc>
-                <a:spcPct val="150000"/>
-              </a:lnSpc>
-            </a:pPr>
-            <a:r>
-              <a:rPr lang="en-US" dirty="0" smtClean="0"/>
-              <a:t>The end result is important, not its way. </a:t>
-            </a:r>
-            <a:endParaRPr lang="nb-NO" dirty="0"/>
-          </a:p>
-        </p:txBody>
-      </p:sp>
-      <p:sp>
-        <p:nvSpPr>
-          <p:cNvPr id="11" name="TekstSylinder 10"/>
-          <p:cNvSpPr txBox="1"/>
-          <p:nvPr/>
-        </p:nvSpPr>
-        <p:spPr>
-          <a:xfrm>
-            <a:off x="8461000" y="1839411"/>
-            <a:ext cx="3411222" cy="1338828"/>
-          </a:xfrm>
-          <a:prstGeom prst="rect">
-            <a:avLst/>
-          </a:prstGeom>
-          <a:noFill/>
-        </p:spPr>
-        <p:txBody>
-          <a:bodyPr wrap="square" rtlCol="0">
-            <a:spAutoFit/>
-          </a:bodyPr>
-          <a:lstStyle/>
-          <a:p>
-            <a:pPr>
-              <a:lnSpc>
-                <a:spcPct val="150000"/>
-              </a:lnSpc>
-            </a:pPr>
-            <a:r>
-              <a:rPr lang="en-US" dirty="0" smtClean="0"/>
-              <a:t>Reviewing a PR is hard.</a:t>
-            </a:r>
-          </a:p>
-          <a:p>
-            <a:pPr>
-              <a:lnSpc>
-                <a:spcPct val="150000"/>
-              </a:lnSpc>
-            </a:pPr>
-            <a:r>
-              <a:rPr lang="en-US" dirty="0" smtClean="0"/>
-              <a:t>Speeds up review time.</a:t>
-            </a:r>
-          </a:p>
-          <a:p>
-            <a:pPr>
-              <a:lnSpc>
-                <a:spcPct val="150000"/>
-              </a:lnSpc>
-            </a:pPr>
-            <a:r>
-              <a:rPr lang="en-US" dirty="0" smtClean="0"/>
-              <a:t>Single feature is easier to handle.</a:t>
-            </a:r>
-            <a:endParaRPr lang="nb-NO" dirty="0"/>
-          </a:p>
-        </p:txBody>
-      </p:sp>
-      <p:sp>
-        <p:nvSpPr>
-          <p:cNvPr id="9" name="TextBox 8"/>
-          <p:cNvSpPr txBox="1"/>
-          <p:nvPr/>
-        </p:nvSpPr>
-        <p:spPr>
-          <a:xfrm>
-            <a:off x="10286550" y="5951657"/>
-            <a:ext cx="1168578" cy="307777"/>
-          </a:xfrm>
-          <a:prstGeom prst="rect">
-            <a:avLst/>
-          </a:prstGeom>
-          <a:noFill/>
-        </p:spPr>
-        <p:txBody>
-          <a:bodyPr wrap="square" rtlCol="0">
-            <a:spAutoFit/>
-          </a:bodyPr>
-          <a:lstStyle/>
-          <a:p>
-            <a:r>
-              <a:rPr lang="nb-NO" sz="1400" dirty="0" smtClean="0">
+            <a:r>
+              <a:rPr lang="nb-NO" dirty="0" smtClean="0">
                 <a:solidFill>
                   <a:schemeClr val="bg2">
                     <a:lumMod val="75000"/>
@@ -4230,13 +4045,82 @@
               </a:rPr>
               <a:t>Sven Malvik</a:t>
             </a:r>
-            <a:endParaRPr lang="en-US" sz="1400" dirty="0">
+            <a:endParaRPr lang="en-US" dirty="0">
               <a:solidFill>
                 <a:schemeClr val="bg2">
                   <a:lumMod val="75000"/>
                 </a:schemeClr>
               </a:solidFill>
             </a:endParaRPr>
+          </a:p>
+        </p:txBody>
+      </p:sp>
+      <p:sp>
+        <p:nvSpPr>
+          <p:cNvPr id="2" name="TextBox 1"/>
+          <p:cNvSpPr txBox="1"/>
+          <p:nvPr/>
+        </p:nvSpPr>
+        <p:spPr>
+          <a:xfrm>
+            <a:off x="600781" y="2192376"/>
+            <a:ext cx="5677965" cy="1077218"/>
+          </a:xfrm>
+          <a:prstGeom prst="rect">
+            <a:avLst/>
+          </a:prstGeom>
+          <a:noFill/>
+        </p:spPr>
+        <p:txBody>
+          <a:bodyPr wrap="none" rtlCol="0">
+            <a:spAutoFit/>
+          </a:bodyPr>
+          <a:lstStyle/>
+          <a:p>
+            <a:r>
+              <a:rPr lang="nb-NO" sz="3200" b="1" dirty="0" err="1" smtClean="0"/>
+              <a:t>Reviewing</a:t>
+            </a:r>
+            <a:r>
+              <a:rPr lang="nb-NO" sz="3200" b="1" dirty="0" smtClean="0"/>
+              <a:t> a pull </a:t>
+            </a:r>
+            <a:r>
+              <a:rPr lang="nb-NO" sz="3200" b="1" dirty="0" err="1" smtClean="0"/>
+              <a:t>request</a:t>
+            </a:r>
+            <a:r>
+              <a:rPr lang="nb-NO" sz="3200" b="1" dirty="0" smtClean="0"/>
+              <a:t> is hard </a:t>
+            </a:r>
+            <a:br>
+              <a:rPr lang="nb-NO" sz="3200" b="1" dirty="0" smtClean="0"/>
+            </a:br>
+            <a:r>
+              <a:rPr lang="nb-NO" sz="3200" b="1" dirty="0" err="1" smtClean="0"/>
+              <a:t>when</a:t>
+            </a:r>
+            <a:r>
+              <a:rPr lang="nb-NO" sz="3200" b="1" dirty="0" smtClean="0"/>
+              <a:t> </a:t>
+            </a:r>
+            <a:r>
+              <a:rPr lang="nb-NO" sz="3200" b="1" dirty="0" err="1" smtClean="0"/>
+              <a:t>created</a:t>
+            </a:r>
+            <a:r>
+              <a:rPr lang="nb-NO" sz="3200" b="1" dirty="0" smtClean="0"/>
+              <a:t> </a:t>
+            </a:r>
+            <a:r>
+              <a:rPr lang="nb-NO" sz="3200" b="1" dirty="0" err="1" smtClean="0"/>
+              <a:t>poorly</a:t>
+            </a:r>
+            <a:r>
+              <a:rPr lang="nb-NO" sz="3200" b="1" dirty="0" smtClean="0"/>
+              <a:t>.</a:t>
+            </a:r>
+            <a:endParaRPr lang="en-US" sz="3200" b="1" dirty="0"/>
           </a:p>
         </p:txBody>
       </p:sp>

--- a/insights.pptx
+++ b/insights.pptx
@@ -261,8 +261,8 @@
               <c:idx val="0"/>
               <c:layout>
                 <c:manualLayout>
-                  <c:x val="-0.25126576547061003"/>
-                  <c:y val="0.1897666283111783"/>
+                  <c:x val="-0.25126581628988071"/>
+                  <c:y val="0.17579285861045954"/>
                 </c:manualLayout>
               </c:layout>
               <c:spPr>
@@ -273,13 +273,13 @@
                 <a:effectLst/>
               </c:spPr>
               <c:txPr>
-                <a:bodyPr rot="0" spcFirstLastPara="1" vertOverflow="ellipsis" vert="horz" wrap="square" lIns="38100" tIns="19050" rIns="38100" bIns="19050" anchor="ctr" anchorCtr="1">
+                <a:bodyPr rot="0" spcFirstLastPara="1" vertOverflow="ellipsis" vert="horz" wrap="square" lIns="38100" tIns="0" rIns="38100" bIns="19050" anchor="ctr" anchorCtr="1">
                   <a:noAutofit/>
                 </a:bodyPr>
                 <a:lstStyle/>
                 <a:p>
                   <a:pPr>
-                    <a:defRPr sz="2000" b="1" i="0" u="none" strike="noStrike" kern="1200" baseline="0">
+                    <a:defRPr sz="2400" b="1" i="0" u="none" strike="noStrike" kern="1200" baseline="0">
                       <a:solidFill>
                         <a:schemeClr val="bg1">
                           <a:lumMod val="95000"/>
@@ -304,7 +304,7 @@
                   <c15:layout>
                     <c:manualLayout>
                       <c:w val="0.21410015247347908"/>
-                      <c:h val="0.23283236505841831"/>
+                      <c:h val="0.1956803206838085"/>
                     </c:manualLayout>
                   </c15:layout>
                 </c:ext>
@@ -335,7 +335,7 @@
                 <a:lstStyle/>
                 <a:p>
                   <a:pPr>
-                    <a:defRPr sz="2000" b="1" i="0" u="none" strike="noStrike" kern="1200" baseline="0">
+                    <a:defRPr sz="2400" b="1" i="0" u="none" strike="noStrike" kern="1200" baseline="0">
                       <a:solidFill>
                         <a:schemeClr val="bg1">
                           <a:lumMod val="95000"/>
@@ -385,7 +385,7 @@
                   <a:lstStyle/>
                   <a:p>
                     <a:pPr>
-                      <a:defRPr sz="2000" b="1" i="0" u="none" strike="noStrike" kern="1200" baseline="0">
+                      <a:defRPr sz="2400" b="1" i="0" u="none" strike="noStrike" kern="1200" baseline="0">
                         <a:solidFill>
                           <a:schemeClr val="bg1">
                             <a:lumMod val="95000"/>
@@ -397,7 +397,7 @@
                       </a:defRPr>
                     </a:pPr>
                     <a:fld id="{30148D0D-E3F6-4C71-98E8-4F408457B289}" type="CATEGORYNAME">
-                      <a:rPr lang="en-US" sz="2000" b="1" smtClean="0">
+                      <a:rPr lang="en-US" sz="2400" b="1" smtClean="0">
                         <a:solidFill>
                           <a:schemeClr val="bg1">
                             <a:lumMod val="95000"/>
@@ -405,7 +405,7 @@
                         </a:solidFill>
                       </a:rPr>
                       <a:pPr>
-                        <a:defRPr sz="2000" b="1">
+                        <a:defRPr sz="2400" b="1">
                           <a:solidFill>
                             <a:schemeClr val="bg1">
                               <a:lumMod val="95000"/>
@@ -433,7 +433,7 @@
                 <a:lstStyle/>
                 <a:p>
                   <a:pPr>
-                    <a:defRPr sz="2000" b="1" i="0" u="none" strike="noStrike" kern="1200" baseline="0">
+                    <a:defRPr sz="2400" b="1" i="0" u="none" strike="noStrike" kern="1200" baseline="0">
                       <a:solidFill>
                         <a:schemeClr val="bg1">
                           <a:lumMod val="95000"/>
@@ -483,7 +483,7 @@
               <a:lstStyle/>
               <a:p>
                 <a:pPr>
-                  <a:defRPr sz="2000" b="0" i="0" u="none" strike="noStrike" kern="1200" baseline="0">
+                  <a:defRPr sz="2400" b="0" i="0" u="none" strike="noStrike" kern="1200" baseline="0">
                     <a:solidFill>
                       <a:schemeClr val="bg1">
                         <a:lumMod val="95000"/>
@@ -3998,14 +3998,14 @@
           <p:nvPr>
             <p:extLst>
               <p:ext uri="{D42A27DB-BD31-4B8C-83A1-F6EECF244321}">
-                <p14:modId xmlns:p14="http://schemas.microsoft.com/office/powerpoint/2010/main" val="212898629"/>
+                <p14:modId xmlns:p14="http://schemas.microsoft.com/office/powerpoint/2010/main" val="777529094"/>
               </p:ext>
             </p:extLst>
           </p:nvPr>
         </p:nvGraphicFramePr>
         <p:xfrm>
-          <a:off x="4999471" y="918280"/>
-          <a:ext cx="6791345" cy="4971040"/>
+          <a:off x="4767942" y="509991"/>
+          <a:ext cx="7795760" cy="5519206"/>
         </p:xfrm>
         <a:graphic>
           <a:graphicData uri="http://schemas.openxmlformats.org/drawingml/2006/chart">
@@ -4021,7 +4021,7 @@
         </p:nvSpPr>
         <p:spPr>
           <a:xfrm>
-            <a:off x="9434507" y="5344819"/>
+            <a:off x="10207392" y="5484696"/>
             <a:ext cx="1413980" cy="401321"/>
           </a:xfrm>
           <a:prstGeom prst="rect">
@@ -4063,7 +4063,7 @@
         </p:nvSpPr>
         <p:spPr>
           <a:xfrm>
-            <a:off x="600781" y="2192376"/>
+            <a:off x="698752" y="2279462"/>
             <a:ext cx="5677965" cy="1077218"/>
           </a:xfrm>
           <a:prstGeom prst="rect">

--- a/insights.pptx
+++ b/insights.pptx
@@ -10,6 +10,7 @@
     <p:sldId id="260" r:id="rId4"/>
     <p:sldId id="257" r:id="rId5"/>
     <p:sldId id="261" r:id="rId6"/>
+    <p:sldId id="262" r:id="rId7"/>
   </p:sldIdLst>
   <p:sldSz cx="12192000" cy="6858000"/>
   <p:notesSz cx="6858000" cy="9144000"/>
@@ -1265,7 +1266,7 @@
           <a:p>
             <a:fld id="{A8D309EC-C9BD-435F-9C4D-5DFB0F0F8F19}" type="datetimeFigureOut">
               <a:rPr lang="nb-NO" smtClean="0"/>
-              <a:t>05.07.2018</a:t>
+              <a:t>11.07.2018</a:t>
             </a:fld>
             <a:endParaRPr lang="nb-NO"/>
           </a:p>
@@ -1435,7 +1436,7 @@
           <a:p>
             <a:fld id="{A8D309EC-C9BD-435F-9C4D-5DFB0F0F8F19}" type="datetimeFigureOut">
               <a:rPr lang="nb-NO" smtClean="0"/>
-              <a:t>05.07.2018</a:t>
+              <a:t>11.07.2018</a:t>
             </a:fld>
             <a:endParaRPr lang="nb-NO"/>
           </a:p>
@@ -1615,7 +1616,7 @@
           <a:p>
             <a:fld id="{A8D309EC-C9BD-435F-9C4D-5DFB0F0F8F19}" type="datetimeFigureOut">
               <a:rPr lang="nb-NO" smtClean="0"/>
-              <a:t>05.07.2018</a:t>
+              <a:t>11.07.2018</a:t>
             </a:fld>
             <a:endParaRPr lang="nb-NO"/>
           </a:p>
@@ -1785,7 +1786,7 @@
           <a:p>
             <a:fld id="{A8D309EC-C9BD-435F-9C4D-5DFB0F0F8F19}" type="datetimeFigureOut">
               <a:rPr lang="nb-NO" smtClean="0"/>
-              <a:t>05.07.2018</a:t>
+              <a:t>11.07.2018</a:t>
             </a:fld>
             <a:endParaRPr lang="nb-NO"/>
           </a:p>
@@ -2031,7 +2032,7 @@
           <a:p>
             <a:fld id="{A8D309EC-C9BD-435F-9C4D-5DFB0F0F8F19}" type="datetimeFigureOut">
               <a:rPr lang="nb-NO" smtClean="0"/>
-              <a:t>05.07.2018</a:t>
+              <a:t>11.07.2018</a:t>
             </a:fld>
             <a:endParaRPr lang="nb-NO"/>
           </a:p>
@@ -2263,7 +2264,7 @@
           <a:p>
             <a:fld id="{A8D309EC-C9BD-435F-9C4D-5DFB0F0F8F19}" type="datetimeFigureOut">
               <a:rPr lang="nb-NO" smtClean="0"/>
-              <a:t>05.07.2018</a:t>
+              <a:t>11.07.2018</a:t>
             </a:fld>
             <a:endParaRPr lang="nb-NO"/>
           </a:p>
@@ -2630,7 +2631,7 @@
           <a:p>
             <a:fld id="{A8D309EC-C9BD-435F-9C4D-5DFB0F0F8F19}" type="datetimeFigureOut">
               <a:rPr lang="nb-NO" smtClean="0"/>
-              <a:t>05.07.2018</a:t>
+              <a:t>11.07.2018</a:t>
             </a:fld>
             <a:endParaRPr lang="nb-NO"/>
           </a:p>
@@ -2748,7 +2749,7 @@
           <a:p>
             <a:fld id="{A8D309EC-C9BD-435F-9C4D-5DFB0F0F8F19}" type="datetimeFigureOut">
               <a:rPr lang="nb-NO" smtClean="0"/>
-              <a:t>05.07.2018</a:t>
+              <a:t>11.07.2018</a:t>
             </a:fld>
             <a:endParaRPr lang="nb-NO"/>
           </a:p>
@@ -2843,7 +2844,7 @@
           <a:p>
             <a:fld id="{A8D309EC-C9BD-435F-9C4D-5DFB0F0F8F19}" type="datetimeFigureOut">
               <a:rPr lang="nb-NO" smtClean="0"/>
-              <a:t>05.07.2018</a:t>
+              <a:t>11.07.2018</a:t>
             </a:fld>
             <a:endParaRPr lang="nb-NO"/>
           </a:p>
@@ -3120,7 +3121,7 @@
           <a:p>
             <a:fld id="{A8D309EC-C9BD-435F-9C4D-5DFB0F0F8F19}" type="datetimeFigureOut">
               <a:rPr lang="nb-NO" smtClean="0"/>
-              <a:t>05.07.2018</a:t>
+              <a:t>11.07.2018</a:t>
             </a:fld>
             <a:endParaRPr lang="nb-NO"/>
           </a:p>
@@ -3373,7 +3374,7 @@
           <a:p>
             <a:fld id="{A8D309EC-C9BD-435F-9C4D-5DFB0F0F8F19}" type="datetimeFigureOut">
               <a:rPr lang="nb-NO" smtClean="0"/>
-              <a:t>05.07.2018</a:t>
+              <a:t>11.07.2018</a:t>
             </a:fld>
             <a:endParaRPr lang="nb-NO"/>
           </a:p>
@@ -3586,7 +3587,7 @@
           <a:p>
             <a:fld id="{A8D309EC-C9BD-435F-9C4D-5DFB0F0F8F19}" type="datetimeFigureOut">
               <a:rPr lang="nb-NO" smtClean="0"/>
-              <a:t>05.07.2018</a:t>
+              <a:t>11.07.2018</a:t>
             </a:fld>
             <a:endParaRPr lang="nb-NO"/>
           </a:p>
@@ -7458,6 +7459,683 @@
   <p:clrMapOvr>
     <a:masterClrMapping/>
   </p:clrMapOvr>
+  <p:timing>
+    <p:tnLst>
+      <p:par>
+        <p:cTn id="1" dur="indefinite" restart="never" nodeType="tmRoot"/>
+      </p:par>
+    </p:tnLst>
+  </p:timing>
+</p:sld>
+</file>
+
+<file path=ppt/slides/slide6.xml><?xml version="1.0" encoding="utf-8"?>
+<p:sld xmlns:a="http://schemas.openxmlformats.org/drawingml/2006/main" xmlns:r="http://schemas.openxmlformats.org/officeDocument/2006/relationships" xmlns:p="http://schemas.openxmlformats.org/presentationml/2006/main">
+  <p:cSld>
+    <p:spTree>
+      <p:nvGrpSpPr>
+        <p:cNvPr id="1" name=""/>
+        <p:cNvGrpSpPr/>
+        <p:nvPr/>
+      </p:nvGrpSpPr>
+      <p:grpSpPr>
+        <a:xfrm>
+          <a:off x="0" y="0"/>
+          <a:ext cx="0" cy="0"/>
+          <a:chOff x="0" y="0"/>
+          <a:chExt cx="0" cy="0"/>
+        </a:xfrm>
+      </p:grpSpPr>
+      <p:sp>
+        <p:nvSpPr>
+          <p:cNvPr id="4" name="Rektangel 3"/>
+          <p:cNvSpPr/>
+          <p:nvPr/>
+        </p:nvSpPr>
+        <p:spPr>
+          <a:xfrm>
+            <a:off x="501731" y="2194882"/>
+            <a:ext cx="8583308" cy="3383588"/>
+          </a:xfrm>
+          <a:prstGeom prst="rect">
+            <a:avLst/>
+          </a:prstGeom>
+          <a:noFill/>
+          <a:ln w="76200">
+            <a:solidFill>
+              <a:schemeClr val="tx1">
+                <a:lumMod val="85000"/>
+                <a:lumOff val="15000"/>
+              </a:schemeClr>
+            </a:solidFill>
+          </a:ln>
+        </p:spPr>
+        <p:style>
+          <a:lnRef idx="2">
+            <a:schemeClr val="accent1">
+              <a:shade val="50000"/>
+            </a:schemeClr>
+          </a:lnRef>
+          <a:fillRef idx="1">
+            <a:schemeClr val="accent1"/>
+          </a:fillRef>
+          <a:effectRef idx="0">
+            <a:schemeClr val="accent1"/>
+          </a:effectRef>
+          <a:fontRef idx="minor">
+            <a:schemeClr val="lt1"/>
+          </a:fontRef>
+        </p:style>
+        <p:txBody>
+          <a:bodyPr rtlCol="0" anchor="ctr"/>
+          <a:lstStyle/>
+          <a:p>
+            <a:pPr algn="ctr"/>
+            <a:endParaRPr lang="nb-NO">
+              <a:solidFill>
+                <a:schemeClr val="bg1">
+                  <a:lumMod val="85000"/>
+                </a:schemeClr>
+              </a:solidFill>
+            </a:endParaRPr>
+          </a:p>
+        </p:txBody>
+      </p:sp>
+      <p:sp>
+        <p:nvSpPr>
+          <p:cNvPr id="18" name="Rectangle 17"/>
+          <p:cNvSpPr/>
+          <p:nvPr/>
+        </p:nvSpPr>
+        <p:spPr>
+          <a:xfrm>
+            <a:off x="8961124" y="3683718"/>
+            <a:ext cx="252549" cy="400594"/>
+          </a:xfrm>
+          <a:prstGeom prst="rect">
+            <a:avLst/>
+          </a:prstGeom>
+          <a:solidFill>
+            <a:schemeClr val="bg1"/>
+          </a:solidFill>
+          <a:ln>
+            <a:noFill/>
+          </a:ln>
+        </p:spPr>
+        <p:style>
+          <a:lnRef idx="2">
+            <a:schemeClr val="accent1">
+              <a:shade val="50000"/>
+            </a:schemeClr>
+          </a:lnRef>
+          <a:fillRef idx="1">
+            <a:schemeClr val="accent1"/>
+          </a:fillRef>
+          <a:effectRef idx="0">
+            <a:schemeClr val="accent1"/>
+          </a:effectRef>
+          <a:fontRef idx="minor">
+            <a:schemeClr val="lt1"/>
+          </a:fontRef>
+        </p:style>
+        <p:txBody>
+          <a:bodyPr rtlCol="0" anchor="ctr"/>
+          <a:lstStyle/>
+          <a:p>
+            <a:pPr algn="ctr"/>
+            <a:endParaRPr lang="en-US"/>
+          </a:p>
+        </p:txBody>
+      </p:sp>
+      <p:cxnSp>
+        <p:nvCxnSpPr>
+          <p:cNvPr id="8" name="Rett pilkobling 7"/>
+          <p:cNvCxnSpPr/>
+          <p:nvPr/>
+        </p:nvCxnSpPr>
+        <p:spPr>
+          <a:xfrm flipV="1">
+            <a:off x="8564032" y="3886675"/>
+            <a:ext cx="1104335" cy="1"/>
+          </a:xfrm>
+          <a:prstGeom prst="straightConnector1">
+            <a:avLst/>
+          </a:prstGeom>
+          <a:ln w="76200">
+            <a:solidFill>
+              <a:srgbClr val="262626"/>
+            </a:solidFill>
+            <a:headEnd w="lg" len="lg"/>
+            <a:tailEnd type="triangle"/>
+          </a:ln>
+        </p:spPr>
+        <p:style>
+          <a:lnRef idx="1">
+            <a:schemeClr val="accent1"/>
+          </a:lnRef>
+          <a:fillRef idx="0">
+            <a:schemeClr val="accent1"/>
+          </a:fillRef>
+          <a:effectRef idx="0">
+            <a:schemeClr val="accent1"/>
+          </a:effectRef>
+          <a:fontRef idx="minor">
+            <a:schemeClr val="tx1"/>
+          </a:fontRef>
+        </p:style>
+      </p:cxnSp>
+      <p:sp>
+        <p:nvSpPr>
+          <p:cNvPr id="2" name="TextBox 1"/>
+          <p:cNvSpPr txBox="1"/>
+          <p:nvPr/>
+        </p:nvSpPr>
+        <p:spPr>
+          <a:xfrm>
+            <a:off x="399853" y="1407575"/>
+            <a:ext cx="7815943" cy="523220"/>
+          </a:xfrm>
+          <a:prstGeom prst="rect">
+            <a:avLst/>
+          </a:prstGeom>
+          <a:noFill/>
+        </p:spPr>
+        <p:txBody>
+          <a:bodyPr wrap="square" rtlCol="0">
+            <a:spAutoFit/>
+          </a:bodyPr>
+          <a:lstStyle/>
+          <a:p>
+            <a:r>
+              <a:rPr lang="nb-NO" sz="2800" dirty="0" err="1" smtClean="0"/>
+              <a:t>Ambassador</a:t>
+            </a:r>
+            <a:r>
+              <a:rPr lang="nb-NO" sz="2800" dirty="0" smtClean="0"/>
+              <a:t> </a:t>
+            </a:r>
+            <a:r>
+              <a:rPr lang="nb-NO" sz="2800" dirty="0" err="1" smtClean="0"/>
+              <a:t>Pattern</a:t>
+            </a:r>
+            <a:endParaRPr lang="en-US" sz="2800" dirty="0"/>
+          </a:p>
+        </p:txBody>
+      </p:sp>
+      <p:sp>
+        <p:nvSpPr>
+          <p:cNvPr id="10" name="TextBox 9"/>
+          <p:cNvSpPr txBox="1"/>
+          <p:nvPr/>
+        </p:nvSpPr>
+        <p:spPr>
+          <a:xfrm>
+            <a:off x="399853" y="529849"/>
+            <a:ext cx="10189030" cy="990015"/>
+          </a:xfrm>
+          <a:prstGeom prst="rect">
+            <a:avLst/>
+          </a:prstGeom>
+          <a:noFill/>
+        </p:spPr>
+        <p:txBody>
+          <a:bodyPr wrap="square" rtlCol="0">
+            <a:spAutoFit/>
+          </a:bodyPr>
+          <a:lstStyle/>
+          <a:p>
+            <a:pPr>
+              <a:lnSpc>
+                <a:spcPts val="3500"/>
+              </a:lnSpc>
+            </a:pPr>
+            <a:r>
+              <a:rPr lang="nb-NO" sz="3600" b="1" dirty="0" err="1" smtClean="0"/>
+              <a:t>Hide</a:t>
+            </a:r>
+            <a:r>
+              <a:rPr lang="nb-NO" sz="3600" b="1" dirty="0" smtClean="0"/>
+              <a:t> </a:t>
+            </a:r>
+            <a:r>
+              <a:rPr lang="nb-NO" sz="3600" b="1" dirty="0" err="1" smtClean="0"/>
+              <a:t>the</a:t>
+            </a:r>
+            <a:r>
+              <a:rPr lang="nb-NO" sz="3600" b="1" dirty="0" smtClean="0"/>
+              <a:t> </a:t>
+            </a:r>
+            <a:r>
+              <a:rPr lang="nb-NO" sz="3600" b="1" dirty="0" err="1" smtClean="0"/>
+              <a:t>complexity</a:t>
+            </a:r>
+            <a:r>
+              <a:rPr lang="nb-NO" sz="3600" b="1" dirty="0" smtClean="0"/>
+              <a:t> </a:t>
+            </a:r>
+            <a:r>
+              <a:rPr lang="nb-NO" sz="3600" b="1" dirty="0" err="1" smtClean="0"/>
+              <a:t>of</a:t>
+            </a:r>
+            <a:r>
+              <a:rPr lang="nb-NO" sz="3600" b="1" dirty="0" smtClean="0"/>
+              <a:t> </a:t>
+            </a:r>
+            <a:r>
+              <a:rPr lang="nb-NO" sz="3600" b="1" dirty="0" err="1" smtClean="0"/>
+              <a:t>connection</a:t>
+            </a:r>
+            <a:r>
+              <a:rPr lang="nb-NO" sz="3600" b="1" dirty="0" smtClean="0"/>
+              <a:t> management </a:t>
+            </a:r>
+            <a:br>
+              <a:rPr lang="nb-NO" sz="3600" b="1" dirty="0" smtClean="0"/>
+            </a:br>
+            <a:r>
+              <a:rPr lang="nb-NO" sz="3600" b="1" dirty="0" smtClean="0"/>
+              <a:t>in </a:t>
+            </a:r>
+            <a:r>
+              <a:rPr lang="nb-NO" sz="3600" b="1" dirty="0" err="1" smtClean="0"/>
+              <a:t>its</a:t>
+            </a:r>
+            <a:r>
+              <a:rPr lang="nb-NO" sz="3600" b="1" dirty="0" smtClean="0"/>
+              <a:t> </a:t>
+            </a:r>
+            <a:r>
+              <a:rPr lang="nb-NO" sz="3600" b="1" dirty="0" err="1" smtClean="0"/>
+              <a:t>own</a:t>
+            </a:r>
+            <a:r>
+              <a:rPr lang="nb-NO" sz="3600" b="1" dirty="0" smtClean="0"/>
+              <a:t> container.</a:t>
+            </a:r>
+            <a:endParaRPr lang="en-US" sz="3600" b="1" dirty="0"/>
+          </a:p>
+        </p:txBody>
+      </p:sp>
+      <p:sp>
+        <p:nvSpPr>
+          <p:cNvPr id="11" name="TextBox 8"/>
+          <p:cNvSpPr txBox="1"/>
+          <p:nvPr/>
+        </p:nvSpPr>
+        <p:spPr>
+          <a:xfrm>
+            <a:off x="10378764" y="5398583"/>
+            <a:ext cx="1292858" cy="401321"/>
+          </a:xfrm>
+          <a:prstGeom prst="rect">
+            <a:avLst/>
+          </a:prstGeom>
+          <a:noFill/>
+        </p:spPr>
+        <p:txBody>
+          <a:bodyPr wrap="square" rtlCol="0">
+            <a:spAutoFit/>
+          </a:bodyPr>
+          <a:lstStyle/>
+          <a:p>
+            <a:r>
+              <a:rPr lang="nb-NO" dirty="0" smtClean="0">
+                <a:solidFill>
+                  <a:schemeClr val="bg2">
+                    <a:lumMod val="75000"/>
+                  </a:schemeClr>
+                </a:solidFill>
+              </a:rPr>
+              <a:t>Sven Malvik</a:t>
+            </a:r>
+            <a:endParaRPr lang="en-US" dirty="0">
+              <a:solidFill>
+                <a:schemeClr val="bg2">
+                  <a:lumMod val="75000"/>
+                </a:schemeClr>
+              </a:solidFill>
+            </a:endParaRPr>
+          </a:p>
+        </p:txBody>
+      </p:sp>
+      <p:pic>
+        <p:nvPicPr>
+          <p:cNvPr id="13" name="Picture 12"/>
+          <p:cNvPicPr>
+            <a:picLocks noChangeAspect="1"/>
+          </p:cNvPicPr>
+          <p:nvPr/>
+        </p:nvPicPr>
+        <p:blipFill>
+          <a:blip r:embed="rId2" cstate="print">
+            <a:extLst>
+              <a:ext uri="{28A0092B-C50C-407E-A947-70E740481C1C}">
+                <a14:useLocalDpi xmlns:a14="http://schemas.microsoft.com/office/drawing/2010/main" val="0"/>
+              </a:ext>
+            </a:extLst>
+          </a:blip>
+          <a:stretch>
+            <a:fillRect/>
+          </a:stretch>
+        </p:blipFill>
+        <p:spPr>
+          <a:xfrm>
+            <a:off x="9790172" y="2898252"/>
+            <a:ext cx="1976845" cy="1976845"/>
+          </a:xfrm>
+          <a:prstGeom prst="rect">
+            <a:avLst/>
+          </a:prstGeom>
+        </p:spPr>
+      </p:pic>
+      <p:sp>
+        <p:nvSpPr>
+          <p:cNvPr id="14" name="Rektangel 3"/>
+          <p:cNvSpPr/>
+          <p:nvPr/>
+        </p:nvSpPr>
+        <p:spPr>
+          <a:xfrm>
+            <a:off x="4602604" y="3200879"/>
+            <a:ext cx="3729878" cy="1371593"/>
+          </a:xfrm>
+          <a:prstGeom prst="rect">
+            <a:avLst/>
+          </a:prstGeom>
+          <a:solidFill>
+            <a:srgbClr val="262626"/>
+          </a:solidFill>
+          <a:ln w="50800">
+            <a:solidFill>
+              <a:schemeClr val="tx1">
+                <a:lumMod val="85000"/>
+                <a:lumOff val="15000"/>
+              </a:schemeClr>
+            </a:solidFill>
+          </a:ln>
+        </p:spPr>
+        <p:style>
+          <a:lnRef idx="2">
+            <a:schemeClr val="accent1">
+              <a:shade val="50000"/>
+            </a:schemeClr>
+          </a:lnRef>
+          <a:fillRef idx="1">
+            <a:schemeClr val="accent1"/>
+          </a:fillRef>
+          <a:effectRef idx="0">
+            <a:schemeClr val="accent1"/>
+          </a:effectRef>
+          <a:fontRef idx="minor">
+            <a:schemeClr val="lt1"/>
+          </a:fontRef>
+        </p:style>
+        <p:txBody>
+          <a:bodyPr rtlCol="0" anchor="ctr"/>
+          <a:lstStyle/>
+          <a:p>
+            <a:pPr algn="ctr"/>
+            <a:r>
+              <a:rPr lang="nb-NO" sz="2800" b="1" dirty="0" err="1">
+                <a:solidFill>
+                  <a:schemeClr val="bg1"/>
+                </a:solidFill>
+              </a:rPr>
+              <a:t>s</a:t>
+            </a:r>
+            <a:r>
+              <a:rPr lang="nb-NO" sz="2800" b="1" dirty="0" err="1" smtClean="0">
+                <a:solidFill>
+                  <a:schemeClr val="bg1"/>
+                </a:solidFill>
+              </a:rPr>
+              <a:t>implifies</a:t>
+            </a:r>
+            <a:r>
+              <a:rPr lang="nb-NO" sz="2800" b="1" dirty="0" smtClean="0">
+                <a:solidFill>
+                  <a:schemeClr val="bg1"/>
+                </a:solidFill>
+              </a:rPr>
+              <a:t> </a:t>
+            </a:r>
+            <a:r>
+              <a:rPr lang="nb-NO" sz="2800" b="1" dirty="0" err="1" smtClean="0">
+                <a:solidFill>
+                  <a:schemeClr val="bg1"/>
+                </a:solidFill>
+              </a:rPr>
+              <a:t>the</a:t>
+            </a:r>
+            <a:r>
+              <a:rPr lang="nb-NO" sz="2800" b="1" dirty="0" smtClean="0">
+                <a:solidFill>
+                  <a:schemeClr val="bg1"/>
+                </a:solidFill>
+              </a:rPr>
+              <a:t> </a:t>
+            </a:r>
+            <a:r>
+              <a:rPr lang="nb-NO" sz="2800" b="1" dirty="0" err="1" smtClean="0">
+                <a:solidFill>
+                  <a:schemeClr val="bg1"/>
+                </a:solidFill>
+              </a:rPr>
+              <a:t>outside</a:t>
+            </a:r>
+            <a:r>
+              <a:rPr lang="nb-NO" sz="2800" b="1" dirty="0" smtClean="0">
+                <a:solidFill>
+                  <a:schemeClr val="bg1"/>
+                </a:solidFill>
+              </a:rPr>
+              <a:t> …</a:t>
+            </a:r>
+            <a:endParaRPr lang="nb-NO" sz="2800" b="1" dirty="0">
+              <a:solidFill>
+                <a:schemeClr val="bg1"/>
+              </a:solidFill>
+            </a:endParaRPr>
+          </a:p>
+        </p:txBody>
+      </p:sp>
+      <p:sp>
+        <p:nvSpPr>
+          <p:cNvPr id="15" name="Rektangel 3"/>
+          <p:cNvSpPr/>
+          <p:nvPr/>
+        </p:nvSpPr>
+        <p:spPr>
+          <a:xfrm>
+            <a:off x="813859" y="3200879"/>
+            <a:ext cx="3508222" cy="1371593"/>
+          </a:xfrm>
+          <a:prstGeom prst="rect">
+            <a:avLst/>
+          </a:prstGeom>
+          <a:solidFill>
+            <a:schemeClr val="bg1">
+              <a:lumMod val="85000"/>
+            </a:schemeClr>
+          </a:solidFill>
+          <a:ln w="28575">
+            <a:solidFill>
+              <a:srgbClr val="D9D9D9"/>
+            </a:solidFill>
+          </a:ln>
+        </p:spPr>
+        <p:style>
+          <a:lnRef idx="2">
+            <a:schemeClr val="accent1">
+              <a:shade val="50000"/>
+            </a:schemeClr>
+          </a:lnRef>
+          <a:fillRef idx="1">
+            <a:schemeClr val="accent1"/>
+          </a:fillRef>
+          <a:effectRef idx="0">
+            <a:schemeClr val="accent1"/>
+          </a:effectRef>
+          <a:fontRef idx="minor">
+            <a:schemeClr val="lt1"/>
+          </a:fontRef>
+        </p:style>
+        <p:txBody>
+          <a:bodyPr rtlCol="0" anchor="ctr"/>
+          <a:lstStyle/>
+          <a:p>
+            <a:pPr algn="ctr"/>
+            <a:endParaRPr lang="nb-NO" sz="2000" dirty="0">
+              <a:solidFill>
+                <a:schemeClr val="tx1"/>
+              </a:solidFill>
+            </a:endParaRPr>
+          </a:p>
+        </p:txBody>
+      </p:sp>
+      <p:sp>
+        <p:nvSpPr>
+          <p:cNvPr id="16" name="TextBox 15"/>
+          <p:cNvSpPr txBox="1"/>
+          <p:nvPr/>
+        </p:nvSpPr>
+        <p:spPr>
+          <a:xfrm>
+            <a:off x="821101" y="3200879"/>
+            <a:ext cx="1596271" cy="461665"/>
+          </a:xfrm>
+          <a:prstGeom prst="rect">
+            <a:avLst/>
+          </a:prstGeom>
+          <a:noFill/>
+        </p:spPr>
+        <p:txBody>
+          <a:bodyPr wrap="none" rtlCol="0">
+            <a:spAutoFit/>
+          </a:bodyPr>
+          <a:lstStyle/>
+          <a:p>
+            <a:r>
+              <a:rPr lang="nb-NO" sz="2400" dirty="0" smtClean="0">
+                <a:solidFill>
+                  <a:schemeClr val="tx1">
+                    <a:lumMod val="95000"/>
+                    <a:lumOff val="5000"/>
+                  </a:schemeClr>
+                </a:solidFill>
+              </a:rPr>
+              <a:t>Application</a:t>
+            </a:r>
+            <a:endParaRPr lang="en-US" sz="2400" dirty="0">
+              <a:solidFill>
+                <a:schemeClr val="tx1">
+                  <a:lumMod val="95000"/>
+                  <a:lumOff val="5000"/>
+                </a:schemeClr>
+              </a:solidFill>
+            </a:endParaRPr>
+          </a:p>
+        </p:txBody>
+      </p:sp>
+      <p:sp>
+        <p:nvSpPr>
+          <p:cNvPr id="17" name="TextBox 16"/>
+          <p:cNvSpPr txBox="1"/>
+          <p:nvPr/>
+        </p:nvSpPr>
+        <p:spPr>
+          <a:xfrm>
+            <a:off x="4643092" y="3200879"/>
+            <a:ext cx="1611339" cy="461665"/>
+          </a:xfrm>
+          <a:prstGeom prst="rect">
+            <a:avLst/>
+          </a:prstGeom>
+          <a:noFill/>
+        </p:spPr>
+        <p:txBody>
+          <a:bodyPr wrap="none" rtlCol="0">
+            <a:spAutoFit/>
+          </a:bodyPr>
+          <a:lstStyle/>
+          <a:p>
+            <a:r>
+              <a:rPr lang="nb-NO" sz="2400" b="1" dirty="0" err="1" smtClean="0">
+                <a:solidFill>
+                  <a:srgbClr val="D9D9D9"/>
+                </a:solidFill>
+              </a:rPr>
+              <a:t>Amassador</a:t>
+            </a:r>
+            <a:endParaRPr lang="en-US" sz="2400" b="1" dirty="0">
+              <a:solidFill>
+                <a:srgbClr val="D9D9D9"/>
+              </a:solidFill>
+            </a:endParaRPr>
+          </a:p>
+        </p:txBody>
+      </p:sp>
+      <p:sp>
+        <p:nvSpPr>
+          <p:cNvPr id="23" name="TextBox 22"/>
+          <p:cNvSpPr txBox="1"/>
+          <p:nvPr/>
+        </p:nvSpPr>
+        <p:spPr>
+          <a:xfrm>
+            <a:off x="556072" y="5093777"/>
+            <a:ext cx="661015" cy="461665"/>
+          </a:xfrm>
+          <a:prstGeom prst="rect">
+            <a:avLst/>
+          </a:prstGeom>
+          <a:noFill/>
+        </p:spPr>
+        <p:txBody>
+          <a:bodyPr wrap="none" rtlCol="0">
+            <a:spAutoFit/>
+          </a:bodyPr>
+          <a:lstStyle/>
+          <a:p>
+            <a:r>
+              <a:rPr lang="nb-NO" sz="2400" dirty="0" smtClean="0">
+                <a:solidFill>
+                  <a:schemeClr val="tx1">
+                    <a:lumMod val="95000"/>
+                    <a:lumOff val="5000"/>
+                  </a:schemeClr>
+                </a:solidFill>
+              </a:rPr>
+              <a:t>Pod</a:t>
+            </a:r>
+            <a:endParaRPr lang="en-US" sz="2400" dirty="0">
+              <a:solidFill>
+                <a:schemeClr val="tx1">
+                  <a:lumMod val="95000"/>
+                  <a:lumOff val="5000"/>
+                </a:schemeClr>
+              </a:solidFill>
+            </a:endParaRPr>
+          </a:p>
+        </p:txBody>
+      </p:sp>
+    </p:spTree>
+    <p:extLst>
+      <p:ext uri="{BB962C8B-B14F-4D97-AF65-F5344CB8AC3E}">
+        <p14:creationId xmlns:p14="http://schemas.microsoft.com/office/powerpoint/2010/main" val="2816831483"/>
+      </p:ext>
+    </p:extLst>
+  </p:cSld>
+  <p:clrMapOvr>
+    <a:masterClrMapping/>
+  </p:clrMapOvr>
+  <p:timing>
+    <p:tnLst>
+      <p:par>
+        <p:cTn id="1" dur="indefinite" restart="never" nodeType="tmRoot"/>
+      </p:par>
+    </p:tnLst>
+  </p:timing>
 </p:sld>
 </file>
 

--- a/insights.pptx
+++ b/insights.pptx
@@ -11,6 +11,7 @@
     <p:sldId id="257" r:id="rId5"/>
     <p:sldId id="261" r:id="rId6"/>
     <p:sldId id="262" r:id="rId7"/>
+    <p:sldId id="263" r:id="rId8"/>
   </p:sldIdLst>
   <p:sldSz cx="12192000" cy="6858000"/>
   <p:notesSz cx="6858000" cy="9144000"/>
@@ -1266,7 +1267,7 @@
           <a:p>
             <a:fld id="{A8D309EC-C9BD-435F-9C4D-5DFB0F0F8F19}" type="datetimeFigureOut">
               <a:rPr lang="nb-NO" smtClean="0"/>
-              <a:t>11.07.2018</a:t>
+              <a:t>12.07.2018</a:t>
             </a:fld>
             <a:endParaRPr lang="nb-NO"/>
           </a:p>
@@ -1436,7 +1437,7 @@
           <a:p>
             <a:fld id="{A8D309EC-C9BD-435F-9C4D-5DFB0F0F8F19}" type="datetimeFigureOut">
               <a:rPr lang="nb-NO" smtClean="0"/>
-              <a:t>11.07.2018</a:t>
+              <a:t>12.07.2018</a:t>
             </a:fld>
             <a:endParaRPr lang="nb-NO"/>
           </a:p>
@@ -1616,7 +1617,7 @@
           <a:p>
             <a:fld id="{A8D309EC-C9BD-435F-9C4D-5DFB0F0F8F19}" type="datetimeFigureOut">
               <a:rPr lang="nb-NO" smtClean="0"/>
-              <a:t>11.07.2018</a:t>
+              <a:t>12.07.2018</a:t>
             </a:fld>
             <a:endParaRPr lang="nb-NO"/>
           </a:p>
@@ -1786,7 +1787,7 @@
           <a:p>
             <a:fld id="{A8D309EC-C9BD-435F-9C4D-5DFB0F0F8F19}" type="datetimeFigureOut">
               <a:rPr lang="nb-NO" smtClean="0"/>
-              <a:t>11.07.2018</a:t>
+              <a:t>12.07.2018</a:t>
             </a:fld>
             <a:endParaRPr lang="nb-NO"/>
           </a:p>
@@ -2032,7 +2033,7 @@
           <a:p>
             <a:fld id="{A8D309EC-C9BD-435F-9C4D-5DFB0F0F8F19}" type="datetimeFigureOut">
               <a:rPr lang="nb-NO" smtClean="0"/>
-              <a:t>11.07.2018</a:t>
+              <a:t>12.07.2018</a:t>
             </a:fld>
             <a:endParaRPr lang="nb-NO"/>
           </a:p>
@@ -2264,7 +2265,7 @@
           <a:p>
             <a:fld id="{A8D309EC-C9BD-435F-9C4D-5DFB0F0F8F19}" type="datetimeFigureOut">
               <a:rPr lang="nb-NO" smtClean="0"/>
-              <a:t>11.07.2018</a:t>
+              <a:t>12.07.2018</a:t>
             </a:fld>
             <a:endParaRPr lang="nb-NO"/>
           </a:p>
@@ -2631,7 +2632,7 @@
           <a:p>
             <a:fld id="{A8D309EC-C9BD-435F-9C4D-5DFB0F0F8F19}" type="datetimeFigureOut">
               <a:rPr lang="nb-NO" smtClean="0"/>
-              <a:t>11.07.2018</a:t>
+              <a:t>12.07.2018</a:t>
             </a:fld>
             <a:endParaRPr lang="nb-NO"/>
           </a:p>
@@ -2749,7 +2750,7 @@
           <a:p>
             <a:fld id="{A8D309EC-C9BD-435F-9C4D-5DFB0F0F8F19}" type="datetimeFigureOut">
               <a:rPr lang="nb-NO" smtClean="0"/>
-              <a:t>11.07.2018</a:t>
+              <a:t>12.07.2018</a:t>
             </a:fld>
             <a:endParaRPr lang="nb-NO"/>
           </a:p>
@@ -2844,7 +2845,7 @@
           <a:p>
             <a:fld id="{A8D309EC-C9BD-435F-9C4D-5DFB0F0F8F19}" type="datetimeFigureOut">
               <a:rPr lang="nb-NO" smtClean="0"/>
-              <a:t>11.07.2018</a:t>
+              <a:t>12.07.2018</a:t>
             </a:fld>
             <a:endParaRPr lang="nb-NO"/>
           </a:p>
@@ -3121,7 +3122,7 @@
           <a:p>
             <a:fld id="{A8D309EC-C9BD-435F-9C4D-5DFB0F0F8F19}" type="datetimeFigureOut">
               <a:rPr lang="nb-NO" smtClean="0"/>
-              <a:t>11.07.2018</a:t>
+              <a:t>12.07.2018</a:t>
             </a:fld>
             <a:endParaRPr lang="nb-NO"/>
           </a:p>
@@ -3374,7 +3375,7 @@
           <a:p>
             <a:fld id="{A8D309EC-C9BD-435F-9C4D-5DFB0F0F8F19}" type="datetimeFigureOut">
               <a:rPr lang="nb-NO" smtClean="0"/>
-              <a:t>11.07.2018</a:t>
+              <a:t>12.07.2018</a:t>
             </a:fld>
             <a:endParaRPr lang="nb-NO"/>
           </a:p>
@@ -3587,7 +3588,7 @@
           <a:p>
             <a:fld id="{A8D309EC-C9BD-435F-9C4D-5DFB0F0F8F19}" type="datetimeFigureOut">
               <a:rPr lang="nb-NO" smtClean="0"/>
-              <a:t>11.07.2018</a:t>
+              <a:t>12.07.2018</a:t>
             </a:fld>
             <a:endParaRPr lang="nb-NO"/>
           </a:p>
@@ -8139,6 +8140,612 @@
 </p:sld>
 </file>
 
+<file path=ppt/slides/slide7.xml><?xml version="1.0" encoding="utf-8"?>
+<p:sld xmlns:a="http://schemas.openxmlformats.org/drawingml/2006/main" xmlns:r="http://schemas.openxmlformats.org/officeDocument/2006/relationships" xmlns:p="http://schemas.openxmlformats.org/presentationml/2006/main">
+  <p:cSld>
+    <p:spTree>
+      <p:nvGrpSpPr>
+        <p:cNvPr id="1" name=""/>
+        <p:cNvGrpSpPr/>
+        <p:nvPr/>
+      </p:nvGrpSpPr>
+      <p:grpSpPr>
+        <a:xfrm>
+          <a:off x="0" y="0"/>
+          <a:ext cx="0" cy="0"/>
+          <a:chOff x="0" y="0"/>
+          <a:chExt cx="0" cy="0"/>
+        </a:xfrm>
+      </p:grpSpPr>
+      <p:sp>
+        <p:nvSpPr>
+          <p:cNvPr id="4" name="Rektangel 3"/>
+          <p:cNvSpPr/>
+          <p:nvPr/>
+        </p:nvSpPr>
+        <p:spPr>
+          <a:xfrm>
+            <a:off x="3140433" y="2194882"/>
+            <a:ext cx="8583308" cy="3383588"/>
+          </a:xfrm>
+          <a:prstGeom prst="rect">
+            <a:avLst/>
+          </a:prstGeom>
+          <a:noFill/>
+          <a:ln w="76200">
+            <a:solidFill>
+              <a:schemeClr val="tx1">
+                <a:lumMod val="85000"/>
+                <a:lumOff val="15000"/>
+              </a:schemeClr>
+            </a:solidFill>
+          </a:ln>
+        </p:spPr>
+        <p:style>
+          <a:lnRef idx="2">
+            <a:schemeClr val="accent1">
+              <a:shade val="50000"/>
+            </a:schemeClr>
+          </a:lnRef>
+          <a:fillRef idx="1">
+            <a:schemeClr val="accent1"/>
+          </a:fillRef>
+          <a:effectRef idx="0">
+            <a:schemeClr val="accent1"/>
+          </a:effectRef>
+          <a:fontRef idx="minor">
+            <a:schemeClr val="lt1"/>
+          </a:fontRef>
+        </p:style>
+        <p:txBody>
+          <a:bodyPr rtlCol="0" anchor="ctr"/>
+          <a:lstStyle/>
+          <a:p>
+            <a:pPr algn="ctr"/>
+            <a:endParaRPr lang="nb-NO">
+              <a:solidFill>
+                <a:schemeClr val="bg1">
+                  <a:lumMod val="85000"/>
+                </a:schemeClr>
+              </a:solidFill>
+            </a:endParaRPr>
+          </a:p>
+        </p:txBody>
+      </p:sp>
+      <p:sp>
+        <p:nvSpPr>
+          <p:cNvPr id="18" name="Rectangle 17"/>
+          <p:cNvSpPr/>
+          <p:nvPr/>
+        </p:nvSpPr>
+        <p:spPr>
+          <a:xfrm>
+            <a:off x="3004439" y="3683718"/>
+            <a:ext cx="252549" cy="400594"/>
+          </a:xfrm>
+          <a:prstGeom prst="rect">
+            <a:avLst/>
+          </a:prstGeom>
+          <a:solidFill>
+            <a:schemeClr val="bg1"/>
+          </a:solidFill>
+          <a:ln>
+            <a:noFill/>
+          </a:ln>
+        </p:spPr>
+        <p:style>
+          <a:lnRef idx="2">
+            <a:schemeClr val="accent1">
+              <a:shade val="50000"/>
+            </a:schemeClr>
+          </a:lnRef>
+          <a:fillRef idx="1">
+            <a:schemeClr val="accent1"/>
+          </a:fillRef>
+          <a:effectRef idx="0">
+            <a:schemeClr val="accent1"/>
+          </a:effectRef>
+          <a:fontRef idx="minor">
+            <a:schemeClr val="lt1"/>
+          </a:fontRef>
+        </p:style>
+        <p:txBody>
+          <a:bodyPr rtlCol="0" anchor="ctr"/>
+          <a:lstStyle/>
+          <a:p>
+            <a:pPr algn="ctr"/>
+            <a:endParaRPr lang="en-US"/>
+          </a:p>
+        </p:txBody>
+      </p:sp>
+      <p:cxnSp>
+        <p:nvCxnSpPr>
+          <p:cNvPr id="8" name="Rett pilkobling 7"/>
+          <p:cNvCxnSpPr/>
+          <p:nvPr/>
+        </p:nvCxnSpPr>
+        <p:spPr>
+          <a:xfrm flipV="1">
+            <a:off x="2607347" y="3886675"/>
+            <a:ext cx="1104335" cy="1"/>
+          </a:xfrm>
+          <a:prstGeom prst="straightConnector1">
+            <a:avLst/>
+          </a:prstGeom>
+          <a:ln w="76200">
+            <a:solidFill>
+              <a:srgbClr val="262626"/>
+            </a:solidFill>
+            <a:headEnd type="none" w="med" len="med"/>
+            <a:tailEnd type="triangle" w="med" len="med"/>
+          </a:ln>
+        </p:spPr>
+        <p:style>
+          <a:lnRef idx="1">
+            <a:schemeClr val="accent1"/>
+          </a:lnRef>
+          <a:fillRef idx="0">
+            <a:schemeClr val="accent1"/>
+          </a:fillRef>
+          <a:effectRef idx="0">
+            <a:schemeClr val="accent1"/>
+          </a:effectRef>
+          <a:fontRef idx="minor">
+            <a:schemeClr val="tx1"/>
+          </a:fontRef>
+        </p:style>
+      </p:cxnSp>
+      <p:sp>
+        <p:nvSpPr>
+          <p:cNvPr id="2" name="TextBox 1"/>
+          <p:cNvSpPr txBox="1"/>
+          <p:nvPr/>
+        </p:nvSpPr>
+        <p:spPr>
+          <a:xfrm>
+            <a:off x="399853" y="1407575"/>
+            <a:ext cx="7815943" cy="523220"/>
+          </a:xfrm>
+          <a:prstGeom prst="rect">
+            <a:avLst/>
+          </a:prstGeom>
+          <a:noFill/>
+        </p:spPr>
+        <p:txBody>
+          <a:bodyPr wrap="square" rtlCol="0">
+            <a:spAutoFit/>
+          </a:bodyPr>
+          <a:lstStyle/>
+          <a:p>
+            <a:r>
+              <a:rPr lang="nb-NO" sz="2800" dirty="0" smtClean="0"/>
+              <a:t>Adapter </a:t>
+            </a:r>
+            <a:r>
+              <a:rPr lang="nb-NO" sz="2800" dirty="0" err="1" smtClean="0"/>
+              <a:t>Pattern</a:t>
+            </a:r>
+            <a:endParaRPr lang="en-US" sz="2800" dirty="0"/>
+          </a:p>
+        </p:txBody>
+      </p:sp>
+      <p:sp>
+        <p:nvSpPr>
+          <p:cNvPr id="10" name="TextBox 9"/>
+          <p:cNvSpPr txBox="1"/>
+          <p:nvPr/>
+        </p:nvSpPr>
+        <p:spPr>
+          <a:xfrm>
+            <a:off x="399853" y="529849"/>
+            <a:ext cx="10189030" cy="999697"/>
+          </a:xfrm>
+          <a:prstGeom prst="rect">
+            <a:avLst/>
+          </a:prstGeom>
+          <a:noFill/>
+        </p:spPr>
+        <p:txBody>
+          <a:bodyPr wrap="square" rtlCol="0">
+            <a:spAutoFit/>
+          </a:bodyPr>
+          <a:lstStyle/>
+          <a:p>
+            <a:pPr>
+              <a:lnSpc>
+                <a:spcPts val="3500"/>
+              </a:lnSpc>
+            </a:pPr>
+            <a:r>
+              <a:rPr lang="nb-NO" sz="3600" b="1" dirty="0" smtClean="0"/>
+              <a:t>Ensure </a:t>
+            </a:r>
+            <a:r>
+              <a:rPr lang="nb-NO" sz="3600" b="1" dirty="0" err="1" smtClean="0"/>
+              <a:t>that</a:t>
+            </a:r>
+            <a:r>
+              <a:rPr lang="nb-NO" sz="3600" b="1" dirty="0" smtClean="0"/>
+              <a:t> all containers in a system have </a:t>
+            </a:r>
+            <a:br>
+              <a:rPr lang="nb-NO" sz="3600" b="1" dirty="0" smtClean="0"/>
+            </a:br>
+            <a:r>
+              <a:rPr lang="nb-NO" sz="3600" b="1" dirty="0" err="1" smtClean="0"/>
+              <a:t>the</a:t>
+            </a:r>
+            <a:r>
+              <a:rPr lang="nb-NO" sz="3600" b="1" dirty="0" smtClean="0"/>
+              <a:t> same </a:t>
+            </a:r>
+            <a:r>
+              <a:rPr lang="nb-NO" sz="3600" b="1" dirty="0" err="1" smtClean="0"/>
+              <a:t>monitoring</a:t>
+            </a:r>
+            <a:r>
+              <a:rPr lang="nb-NO" sz="3600" b="1" dirty="0" smtClean="0"/>
+              <a:t> </a:t>
+            </a:r>
+            <a:r>
+              <a:rPr lang="nb-NO" sz="3600" b="1" dirty="0" err="1" smtClean="0"/>
+              <a:t>interface</a:t>
+            </a:r>
+            <a:r>
+              <a:rPr lang="nb-NO" sz="3600" b="1" dirty="0" smtClean="0"/>
+              <a:t>.</a:t>
+            </a:r>
+            <a:endParaRPr lang="en-US" sz="3600" b="1" dirty="0"/>
+          </a:p>
+        </p:txBody>
+      </p:sp>
+      <p:sp>
+        <p:nvSpPr>
+          <p:cNvPr id="11" name="TextBox 8"/>
+          <p:cNvSpPr txBox="1"/>
+          <p:nvPr/>
+        </p:nvSpPr>
+        <p:spPr>
+          <a:xfrm>
+            <a:off x="399853" y="5177149"/>
+            <a:ext cx="1292858" cy="401321"/>
+          </a:xfrm>
+          <a:prstGeom prst="rect">
+            <a:avLst/>
+          </a:prstGeom>
+          <a:noFill/>
+        </p:spPr>
+        <p:txBody>
+          <a:bodyPr wrap="square" rtlCol="0">
+            <a:spAutoFit/>
+          </a:bodyPr>
+          <a:lstStyle/>
+          <a:p>
+            <a:r>
+              <a:rPr lang="nb-NO" dirty="0" smtClean="0">
+                <a:solidFill>
+                  <a:schemeClr val="bg2">
+                    <a:lumMod val="75000"/>
+                  </a:schemeClr>
+                </a:solidFill>
+              </a:rPr>
+              <a:t>Sven Malvik</a:t>
+            </a:r>
+            <a:endParaRPr lang="en-US" dirty="0">
+              <a:solidFill>
+                <a:schemeClr val="bg2">
+                  <a:lumMod val="75000"/>
+                </a:schemeClr>
+              </a:solidFill>
+            </a:endParaRPr>
+          </a:p>
+        </p:txBody>
+      </p:sp>
+      <p:pic>
+        <p:nvPicPr>
+          <p:cNvPr id="13" name="Picture 12"/>
+          <p:cNvPicPr>
+            <a:picLocks noChangeAspect="1"/>
+          </p:cNvPicPr>
+          <p:nvPr/>
+        </p:nvPicPr>
+        <p:blipFill>
+          <a:blip r:embed="rId2" cstate="print">
+            <a:extLst>
+              <a:ext uri="{28A0092B-C50C-407E-A947-70E740481C1C}">
+                <a14:useLocalDpi xmlns:a14="http://schemas.microsoft.com/office/drawing/2010/main" val="0"/>
+              </a:ext>
+            </a:extLst>
+          </a:blip>
+          <a:stretch>
+            <a:fillRect/>
+          </a:stretch>
+        </p:blipFill>
+        <p:spPr>
+          <a:xfrm>
+            <a:off x="411013" y="2898252"/>
+            <a:ext cx="1976845" cy="1976845"/>
+          </a:xfrm>
+          <a:prstGeom prst="rect">
+            <a:avLst/>
+          </a:prstGeom>
+        </p:spPr>
+      </p:pic>
+      <p:sp>
+        <p:nvSpPr>
+          <p:cNvPr id="14" name="Rektangel 3"/>
+          <p:cNvSpPr/>
+          <p:nvPr/>
+        </p:nvSpPr>
+        <p:spPr>
+          <a:xfrm>
+            <a:off x="3871075" y="3200879"/>
+            <a:ext cx="3729878" cy="1371593"/>
+          </a:xfrm>
+          <a:prstGeom prst="rect">
+            <a:avLst/>
+          </a:prstGeom>
+          <a:solidFill>
+            <a:srgbClr val="262626"/>
+          </a:solidFill>
+          <a:ln w="50800">
+            <a:solidFill>
+              <a:schemeClr val="tx1">
+                <a:lumMod val="85000"/>
+                <a:lumOff val="15000"/>
+              </a:schemeClr>
+            </a:solidFill>
+          </a:ln>
+        </p:spPr>
+        <p:style>
+          <a:lnRef idx="2">
+            <a:schemeClr val="accent1">
+              <a:shade val="50000"/>
+            </a:schemeClr>
+          </a:lnRef>
+          <a:fillRef idx="1">
+            <a:schemeClr val="accent1"/>
+          </a:fillRef>
+          <a:effectRef idx="0">
+            <a:schemeClr val="accent1"/>
+          </a:effectRef>
+          <a:fontRef idx="minor">
+            <a:schemeClr val="lt1"/>
+          </a:fontRef>
+        </p:style>
+        <p:txBody>
+          <a:bodyPr rtlCol="0" anchor="ctr"/>
+          <a:lstStyle/>
+          <a:p>
+            <a:pPr algn="ctr"/>
+            <a:r>
+              <a:rPr lang="nb-NO" sz="2800" b="1" dirty="0" err="1" smtClean="0">
+                <a:solidFill>
+                  <a:schemeClr val="bg1"/>
+                </a:solidFill>
+              </a:rPr>
+              <a:t>simplifies</a:t>
+            </a:r>
+            <a:r>
+              <a:rPr lang="nb-NO" sz="2800" b="1" dirty="0" smtClean="0">
+                <a:solidFill>
+                  <a:schemeClr val="bg1"/>
+                </a:solidFill>
+              </a:rPr>
+              <a:t> </a:t>
+            </a:r>
+            <a:r>
+              <a:rPr lang="nb-NO" sz="2800" b="1" dirty="0" err="1" smtClean="0">
+                <a:solidFill>
+                  <a:schemeClr val="bg1"/>
+                </a:solidFill>
+              </a:rPr>
+              <a:t>the</a:t>
+            </a:r>
+            <a:r>
+              <a:rPr lang="nb-NO" sz="2800" b="1" dirty="0" smtClean="0">
+                <a:solidFill>
+                  <a:schemeClr val="bg1"/>
+                </a:solidFill>
+              </a:rPr>
+              <a:t> </a:t>
+            </a:r>
+            <a:r>
+              <a:rPr lang="nb-NO" sz="2800" b="1" dirty="0" err="1" smtClean="0">
+                <a:solidFill>
+                  <a:schemeClr val="bg1"/>
+                </a:solidFill>
+              </a:rPr>
+              <a:t>inside</a:t>
+            </a:r>
+            <a:r>
+              <a:rPr lang="nb-NO" sz="2800" b="1" dirty="0">
+                <a:solidFill>
+                  <a:schemeClr val="bg1"/>
+                </a:solidFill>
+              </a:rPr>
+              <a:t> </a:t>
+            </a:r>
+            <a:r>
+              <a:rPr lang="nb-NO" sz="2800" b="1" dirty="0" smtClean="0">
+                <a:solidFill>
+                  <a:schemeClr val="bg1"/>
+                </a:solidFill>
+              </a:rPr>
+              <a:t>…</a:t>
+            </a:r>
+            <a:endParaRPr lang="nb-NO" sz="2800" b="1" dirty="0">
+              <a:solidFill>
+                <a:schemeClr val="bg1"/>
+              </a:solidFill>
+            </a:endParaRPr>
+          </a:p>
+        </p:txBody>
+      </p:sp>
+      <p:sp>
+        <p:nvSpPr>
+          <p:cNvPr id="15" name="Rektangel 3"/>
+          <p:cNvSpPr/>
+          <p:nvPr/>
+        </p:nvSpPr>
+        <p:spPr>
+          <a:xfrm>
+            <a:off x="7850398" y="3200879"/>
+            <a:ext cx="3508222" cy="1371593"/>
+          </a:xfrm>
+          <a:prstGeom prst="rect">
+            <a:avLst/>
+          </a:prstGeom>
+          <a:solidFill>
+            <a:schemeClr val="bg1">
+              <a:lumMod val="85000"/>
+            </a:schemeClr>
+          </a:solidFill>
+          <a:ln w="28575">
+            <a:solidFill>
+              <a:srgbClr val="D9D9D9"/>
+            </a:solidFill>
+          </a:ln>
+        </p:spPr>
+        <p:style>
+          <a:lnRef idx="2">
+            <a:schemeClr val="accent1">
+              <a:shade val="50000"/>
+            </a:schemeClr>
+          </a:lnRef>
+          <a:fillRef idx="1">
+            <a:schemeClr val="accent1"/>
+          </a:fillRef>
+          <a:effectRef idx="0">
+            <a:schemeClr val="accent1"/>
+          </a:effectRef>
+          <a:fontRef idx="minor">
+            <a:schemeClr val="lt1"/>
+          </a:fontRef>
+        </p:style>
+        <p:txBody>
+          <a:bodyPr rtlCol="0" anchor="ctr"/>
+          <a:lstStyle/>
+          <a:p>
+            <a:pPr algn="ctr"/>
+            <a:r>
+              <a:rPr lang="nb-NO" sz="2800" dirty="0" smtClean="0">
+                <a:solidFill>
+                  <a:schemeClr val="tx1"/>
+                </a:solidFill>
+              </a:rPr>
+              <a:t>Application</a:t>
+            </a:r>
+            <a:endParaRPr lang="nb-NO" sz="2800" dirty="0">
+              <a:solidFill>
+                <a:schemeClr val="tx1"/>
+              </a:solidFill>
+            </a:endParaRPr>
+          </a:p>
+        </p:txBody>
+      </p:sp>
+      <p:sp>
+        <p:nvSpPr>
+          <p:cNvPr id="17" name="TextBox 16"/>
+          <p:cNvSpPr txBox="1"/>
+          <p:nvPr/>
+        </p:nvSpPr>
+        <p:spPr>
+          <a:xfrm>
+            <a:off x="3911563" y="3200879"/>
+            <a:ext cx="1220014" cy="461665"/>
+          </a:xfrm>
+          <a:prstGeom prst="rect">
+            <a:avLst/>
+          </a:prstGeom>
+          <a:noFill/>
+        </p:spPr>
+        <p:txBody>
+          <a:bodyPr wrap="none" rtlCol="0">
+            <a:spAutoFit/>
+          </a:bodyPr>
+          <a:lstStyle/>
+          <a:p>
+            <a:r>
+              <a:rPr lang="nb-NO" sz="2400" b="1" dirty="0" smtClean="0">
+                <a:solidFill>
+                  <a:srgbClr val="D9D9D9"/>
+                </a:solidFill>
+              </a:rPr>
+              <a:t>Adapter</a:t>
+            </a:r>
+            <a:endParaRPr lang="en-US" sz="2400" b="1" dirty="0">
+              <a:solidFill>
+                <a:srgbClr val="D9D9D9"/>
+              </a:solidFill>
+            </a:endParaRPr>
+          </a:p>
+        </p:txBody>
+      </p:sp>
+      <p:sp>
+        <p:nvSpPr>
+          <p:cNvPr id="23" name="TextBox 22"/>
+          <p:cNvSpPr txBox="1"/>
+          <p:nvPr/>
+        </p:nvSpPr>
+        <p:spPr>
+          <a:xfrm>
+            <a:off x="3194774" y="5093777"/>
+            <a:ext cx="661015" cy="461665"/>
+          </a:xfrm>
+          <a:prstGeom prst="rect">
+            <a:avLst/>
+          </a:prstGeom>
+          <a:noFill/>
+        </p:spPr>
+        <p:txBody>
+          <a:bodyPr wrap="none" rtlCol="0">
+            <a:spAutoFit/>
+          </a:bodyPr>
+          <a:lstStyle/>
+          <a:p>
+            <a:r>
+              <a:rPr lang="nb-NO" sz="2400" dirty="0" smtClean="0">
+                <a:solidFill>
+                  <a:schemeClr val="tx1">
+                    <a:lumMod val="95000"/>
+                    <a:lumOff val="5000"/>
+                  </a:schemeClr>
+                </a:solidFill>
+              </a:rPr>
+              <a:t>Pod</a:t>
+            </a:r>
+            <a:endParaRPr lang="en-US" sz="2400" dirty="0">
+              <a:solidFill>
+                <a:schemeClr val="tx1">
+                  <a:lumMod val="95000"/>
+                  <a:lumOff val="5000"/>
+                </a:schemeClr>
+              </a:solidFill>
+            </a:endParaRPr>
+          </a:p>
+        </p:txBody>
+      </p:sp>
+    </p:spTree>
+    <p:extLst>
+      <p:ext uri="{BB962C8B-B14F-4D97-AF65-F5344CB8AC3E}">
+        <p14:creationId xmlns:p14="http://schemas.microsoft.com/office/powerpoint/2010/main" val="3771572751"/>
+      </p:ext>
+    </p:extLst>
+  </p:cSld>
+  <p:clrMapOvr>
+    <a:masterClrMapping/>
+  </p:clrMapOvr>
+  <p:timing>
+    <p:tnLst>
+      <p:par>
+        <p:cTn id="1" dur="indefinite" restart="never" nodeType="tmRoot"/>
+      </p:par>
+    </p:tnLst>
+  </p:timing>
+</p:sld>
+</file>
+
 <file path=ppt/theme/theme1.xml><?xml version="1.0" encoding="utf-8"?>
 <a:theme xmlns:a="http://schemas.openxmlformats.org/drawingml/2006/main" name="Office-tema">
   <a:themeElements>

--- a/insights.pptx
+++ b/insights.pptx
@@ -5092,7 +5092,7 @@
         </p:nvCxnSpPr>
         <p:spPr>
           <a:xfrm flipV="1">
-            <a:off x="2298455" y="2720771"/>
+            <a:off x="2298455" y="3295543"/>
             <a:ext cx="8030578" cy="0"/>
           </a:xfrm>
           <a:prstGeom prst="straightConnector1">
@@ -5149,7 +5149,7 @@
         </p:blipFill>
         <p:spPr>
           <a:xfrm>
-            <a:off x="3096675" y="1635130"/>
+            <a:off x="3096675" y="2209902"/>
             <a:ext cx="1031001" cy="1393245"/>
           </a:xfrm>
           <a:prstGeom prst="rect">
@@ -5166,7 +5166,7 @@
         </p:nvSpPr>
         <p:spPr>
           <a:xfrm>
-            <a:off x="3232358" y="2112580"/>
+            <a:off x="3232358" y="2687352"/>
             <a:ext cx="772086" cy="756744"/>
           </a:xfrm>
           <a:prstGeom prst="ellipse">
@@ -5243,7 +5243,7 @@
         </p:blipFill>
         <p:spPr>
           <a:xfrm>
-            <a:off x="5806127" y="1635130"/>
+            <a:off x="5806127" y="2209902"/>
             <a:ext cx="1031001" cy="1393245"/>
           </a:xfrm>
           <a:prstGeom prst="rect">
@@ -5260,7 +5260,7 @@
         </p:nvSpPr>
         <p:spPr>
           <a:xfrm>
-            <a:off x="5941810" y="2112580"/>
+            <a:off x="5941810" y="2687352"/>
             <a:ext cx="772086" cy="756744"/>
           </a:xfrm>
           <a:prstGeom prst="ellipse">
@@ -5337,7 +5337,7 @@
         </p:blipFill>
         <p:spPr>
           <a:xfrm>
-            <a:off x="8515579" y="1635130"/>
+            <a:off x="8515579" y="2209902"/>
             <a:ext cx="1031001" cy="1393245"/>
           </a:xfrm>
           <a:prstGeom prst="rect">
@@ -5354,7 +5354,7 @@
         </p:nvSpPr>
         <p:spPr>
           <a:xfrm>
-            <a:off x="8651262" y="2112580"/>
+            <a:off x="8651262" y="2687352"/>
             <a:ext cx="772086" cy="756744"/>
           </a:xfrm>
           <a:prstGeom prst="ellipse">
@@ -5410,7 +5410,7 @@
         </p:nvCxnSpPr>
         <p:spPr>
           <a:xfrm flipV="1">
-            <a:off x="2359002" y="5189147"/>
+            <a:off x="2359002" y="5763919"/>
             <a:ext cx="8030578" cy="0"/>
           </a:xfrm>
           <a:prstGeom prst="straightConnector1">
@@ -5467,7 +5467,7 @@
         </p:blipFill>
         <p:spPr>
           <a:xfrm>
-            <a:off x="3157222" y="4103506"/>
+            <a:off x="3157222" y="4678278"/>
             <a:ext cx="1031001" cy="1393245"/>
           </a:xfrm>
           <a:prstGeom prst="rect">
@@ -5484,7 +5484,7 @@
         </p:nvSpPr>
         <p:spPr>
           <a:xfrm>
-            <a:off x="4641405" y="4580956"/>
+            <a:off x="4641405" y="5155728"/>
             <a:ext cx="772086" cy="756744"/>
           </a:xfrm>
           <a:prstGeom prst="ellipse">
@@ -5561,7 +5561,7 @@
         </p:blipFill>
         <p:spPr>
           <a:xfrm>
-            <a:off x="5866674" y="4103506"/>
+            <a:off x="5866674" y="4678278"/>
             <a:ext cx="1031001" cy="1393245"/>
           </a:xfrm>
           <a:prstGeom prst="rect">
@@ -5578,7 +5578,7 @@
         </p:nvSpPr>
         <p:spPr>
           <a:xfrm>
-            <a:off x="7350857" y="4580956"/>
+            <a:off x="7350857" y="5155728"/>
             <a:ext cx="772086" cy="756744"/>
           </a:xfrm>
           <a:prstGeom prst="ellipse">
@@ -5655,7 +5655,7 @@
         </p:blipFill>
         <p:spPr>
           <a:xfrm>
-            <a:off x="8576126" y="4103506"/>
+            <a:off x="8576126" y="4678278"/>
             <a:ext cx="1031001" cy="1393245"/>
           </a:xfrm>
           <a:prstGeom prst="rect">
@@ -5672,7 +5672,7 @@
         </p:nvSpPr>
         <p:spPr>
           <a:xfrm>
-            <a:off x="1304510" y="4580956"/>
+            <a:off x="1304510" y="5155728"/>
             <a:ext cx="1099981" cy="523220"/>
           </a:xfrm>
           <a:prstGeom prst="rect">
@@ -5706,7 +5706,7 @@
         </p:nvSpPr>
         <p:spPr>
           <a:xfrm>
-            <a:off x="1304510" y="2112580"/>
+            <a:off x="1304510" y="2687352"/>
             <a:ext cx="1580882" cy="523220"/>
           </a:xfrm>
           <a:prstGeom prst="rect">
@@ -5744,7 +5744,7 @@
         </p:nvSpPr>
         <p:spPr>
           <a:xfrm>
-            <a:off x="9546580" y="5951053"/>
+            <a:off x="9677208" y="5917634"/>
             <a:ext cx="1168578" cy="307777"/>
           </a:xfrm>
           <a:prstGeom prst="rect">
@@ -5775,6 +5775,63 @@
                 </a:schemeClr>
               </a:solidFill>
             </a:endParaRPr>
+          </a:p>
+        </p:txBody>
+      </p:sp>
+      <p:sp>
+        <p:nvSpPr>
+          <p:cNvPr id="26" name="TextBox 25"/>
+          <p:cNvSpPr txBox="1"/>
+          <p:nvPr/>
+        </p:nvSpPr>
+        <p:spPr>
+          <a:xfrm>
+            <a:off x="1244590" y="704028"/>
+            <a:ext cx="10189030" cy="964367"/>
+          </a:xfrm>
+          <a:prstGeom prst="rect">
+            <a:avLst/>
+          </a:prstGeom>
+          <a:noFill/>
+        </p:spPr>
+        <p:txBody>
+          <a:bodyPr wrap="square" rtlCol="0">
+            <a:spAutoFit/>
+          </a:bodyPr>
+          <a:lstStyle/>
+          <a:p>
+            <a:pPr>
+              <a:lnSpc>
+                <a:spcPts val="3400"/>
+              </a:lnSpc>
+            </a:pPr>
+            <a:r>
+              <a:rPr lang="en-US" sz="3600" b="1" dirty="0" err="1"/>
+              <a:t>Git</a:t>
+            </a:r>
+            <a:r>
+              <a:rPr lang="en-US" sz="3600" b="1" dirty="0"/>
+              <a:t> blame won’t tell you what’s deleted. </a:t>
+            </a:r>
+            <a:r>
+              <a:rPr lang="en-US" sz="3600" b="1" dirty="0" smtClean="0"/>
+              <a:t/>
+            </a:r>
+            <a:br>
+              <a:rPr lang="en-US" sz="3600" b="1" dirty="0" smtClean="0"/>
+            </a:br>
+            <a:r>
+              <a:rPr lang="en-US" sz="3600" b="1" dirty="0" smtClean="0"/>
+              <a:t>It’s </a:t>
+            </a:r>
+            <a:r>
+              <a:rPr lang="en-US" sz="3600" b="1" dirty="0" err="1"/>
+              <a:t>git</a:t>
+            </a:r>
+            <a:r>
+              <a:rPr lang="en-US" sz="3600" b="1" dirty="0"/>
+              <a:t> log that knows about the past.</a:t>
+            </a:r>
           </a:p>
         </p:txBody>
       </p:sp>
@@ -6908,6 +6965,13 @@
   <p:clrMapOvr>
     <a:masterClrMapping/>
   </p:clrMapOvr>
+  <p:timing>
+    <p:tnLst>
+      <p:par>
+        <p:cTn id="1" dur="indefinite" restart="never" nodeType="tmRoot"/>
+      </p:par>
+    </p:tnLst>
+  </p:timing>
 </p:sld>
 </file>
 

--- a/insights.pptx
+++ b/insights.pptx
@@ -12,6 +12,7 @@
     <p:sldId id="261" r:id="rId6"/>
     <p:sldId id="262" r:id="rId7"/>
     <p:sldId id="263" r:id="rId8"/>
+    <p:sldId id="264" r:id="rId9"/>
   </p:sldIdLst>
   <p:sldSz cx="12192000" cy="6858000"/>
   <p:notesSz cx="6858000" cy="9144000"/>
@@ -8810,6 +8811,522 @@
 </p:sld>
 </file>
 
+<file path=ppt/slides/slide8.xml><?xml version="1.0" encoding="utf-8"?>
+<p:sld xmlns:a="http://schemas.openxmlformats.org/drawingml/2006/main" xmlns:r="http://schemas.openxmlformats.org/officeDocument/2006/relationships" xmlns:p="http://schemas.openxmlformats.org/presentationml/2006/main">
+  <p:cSld>
+    <p:spTree>
+      <p:nvGrpSpPr>
+        <p:cNvPr id="1" name=""/>
+        <p:cNvGrpSpPr/>
+        <p:nvPr/>
+      </p:nvGrpSpPr>
+      <p:grpSpPr>
+        <a:xfrm>
+          <a:off x="0" y="0"/>
+          <a:ext cx="0" cy="0"/>
+          <a:chOff x="0" y="0"/>
+          <a:chExt cx="0" cy="0"/>
+        </a:xfrm>
+      </p:grpSpPr>
+      <p:sp>
+        <p:nvSpPr>
+          <p:cNvPr id="4" name="Rektangel 3"/>
+          <p:cNvSpPr/>
+          <p:nvPr/>
+        </p:nvSpPr>
+        <p:spPr>
+          <a:xfrm>
+            <a:off x="1712223" y="2665151"/>
+            <a:ext cx="8583308" cy="3383588"/>
+          </a:xfrm>
+          <a:prstGeom prst="rect">
+            <a:avLst/>
+          </a:prstGeom>
+          <a:noFill/>
+          <a:ln w="76200">
+            <a:solidFill>
+              <a:schemeClr val="tx1">
+                <a:lumMod val="85000"/>
+                <a:lumOff val="15000"/>
+              </a:schemeClr>
+            </a:solidFill>
+          </a:ln>
+        </p:spPr>
+        <p:style>
+          <a:lnRef idx="2">
+            <a:schemeClr val="accent1">
+              <a:shade val="50000"/>
+            </a:schemeClr>
+          </a:lnRef>
+          <a:fillRef idx="1">
+            <a:schemeClr val="accent1"/>
+          </a:fillRef>
+          <a:effectRef idx="0">
+            <a:schemeClr val="accent1"/>
+          </a:effectRef>
+          <a:fontRef idx="minor">
+            <a:schemeClr val="lt1"/>
+          </a:fontRef>
+        </p:style>
+        <p:txBody>
+          <a:bodyPr rtlCol="0" anchor="ctr"/>
+          <a:lstStyle/>
+          <a:p>
+            <a:pPr algn="ctr"/>
+            <a:endParaRPr lang="nb-NO">
+              <a:solidFill>
+                <a:schemeClr val="bg1">
+                  <a:lumMod val="85000"/>
+                </a:schemeClr>
+              </a:solidFill>
+            </a:endParaRPr>
+          </a:p>
+        </p:txBody>
+      </p:sp>
+      <p:sp>
+        <p:nvSpPr>
+          <p:cNvPr id="2" name="TextBox 1"/>
+          <p:cNvSpPr txBox="1"/>
+          <p:nvPr/>
+        </p:nvSpPr>
+        <p:spPr>
+          <a:xfrm>
+            <a:off x="1601635" y="1895252"/>
+            <a:ext cx="7815943" cy="523220"/>
+          </a:xfrm>
+          <a:prstGeom prst="rect">
+            <a:avLst/>
+          </a:prstGeom>
+          <a:noFill/>
+        </p:spPr>
+        <p:txBody>
+          <a:bodyPr wrap="square" rtlCol="0">
+            <a:spAutoFit/>
+          </a:bodyPr>
+          <a:lstStyle/>
+          <a:p>
+            <a:r>
+              <a:rPr lang="nb-NO" sz="2800" dirty="0" err="1" smtClean="0"/>
+              <a:t>Sidecar</a:t>
+            </a:r>
+            <a:r>
+              <a:rPr lang="nb-NO" sz="2800" dirty="0" smtClean="0"/>
+              <a:t> </a:t>
+            </a:r>
+            <a:r>
+              <a:rPr lang="nb-NO" sz="2800" dirty="0" err="1" smtClean="0"/>
+              <a:t>Pattern</a:t>
+            </a:r>
+            <a:endParaRPr lang="en-US" sz="2800" dirty="0"/>
+          </a:p>
+        </p:txBody>
+      </p:sp>
+      <p:sp>
+        <p:nvSpPr>
+          <p:cNvPr id="10" name="TextBox 9"/>
+          <p:cNvSpPr txBox="1"/>
+          <p:nvPr/>
+        </p:nvSpPr>
+        <p:spPr>
+          <a:xfrm>
+            <a:off x="1622505" y="1017530"/>
+            <a:ext cx="8819072" cy="990015"/>
+          </a:xfrm>
+          <a:prstGeom prst="rect">
+            <a:avLst/>
+          </a:prstGeom>
+          <a:noFill/>
+        </p:spPr>
+        <p:txBody>
+          <a:bodyPr wrap="square" rtlCol="0">
+            <a:spAutoFit/>
+          </a:bodyPr>
+          <a:lstStyle/>
+          <a:p>
+            <a:pPr>
+              <a:lnSpc>
+                <a:spcPts val="3500"/>
+              </a:lnSpc>
+            </a:pPr>
+            <a:r>
+              <a:rPr lang="nb-NO" sz="3600" b="1" dirty="0" smtClean="0"/>
+              <a:t>The container is </a:t>
+            </a:r>
+            <a:r>
+              <a:rPr lang="nb-NO" sz="3600" b="1" dirty="0" err="1" smtClean="0"/>
+              <a:t>the</a:t>
+            </a:r>
+            <a:r>
+              <a:rPr lang="nb-NO" sz="3600" b="1" dirty="0" smtClean="0"/>
+              <a:t> unit </a:t>
+            </a:r>
+            <a:r>
+              <a:rPr lang="nb-NO" sz="3600" b="1" dirty="0" err="1" smtClean="0"/>
+              <a:t>of</a:t>
+            </a:r>
+            <a:r>
+              <a:rPr lang="nb-NO" sz="3600" b="1" dirty="0" smtClean="0"/>
+              <a:t> </a:t>
+            </a:r>
+            <a:r>
+              <a:rPr lang="nb-NO" sz="3600" b="1" dirty="0" err="1" smtClean="0"/>
+              <a:t>reuse</a:t>
+            </a:r>
+            <a:r>
+              <a:rPr lang="nb-NO" sz="3600" b="1" dirty="0" smtClean="0"/>
+              <a:t>, so </a:t>
+            </a:r>
+            <a:r>
+              <a:rPr lang="nb-NO" sz="3600" b="1" dirty="0" err="1" smtClean="0"/>
+              <a:t>sidecars</a:t>
+            </a:r>
+            <a:r>
+              <a:rPr lang="nb-NO" sz="3600" b="1" dirty="0" smtClean="0"/>
+              <a:t> </a:t>
+            </a:r>
+            <a:r>
+              <a:rPr lang="nb-NO" sz="3600" b="1" dirty="0"/>
+              <a:t/>
+            </a:r>
+            <a:br>
+              <a:rPr lang="nb-NO" sz="3600" b="1" dirty="0"/>
+            </a:br>
+            <a:r>
+              <a:rPr lang="nb-NO" sz="3600" b="1" dirty="0" err="1" smtClean="0"/>
+              <a:t>can</a:t>
+            </a:r>
+            <a:r>
+              <a:rPr lang="nb-NO" sz="3600" b="1" dirty="0" smtClean="0"/>
+              <a:t> be </a:t>
+            </a:r>
+            <a:r>
+              <a:rPr lang="nb-NO" sz="3600" b="1" dirty="0" err="1" smtClean="0"/>
+              <a:t>paired</a:t>
+            </a:r>
+            <a:r>
+              <a:rPr lang="nb-NO" sz="3600" b="1" dirty="0" smtClean="0"/>
+              <a:t> </a:t>
+            </a:r>
+            <a:r>
+              <a:rPr lang="nb-NO" sz="3600" b="1" dirty="0" err="1" smtClean="0"/>
+              <a:t>with</a:t>
+            </a:r>
+            <a:r>
+              <a:rPr lang="nb-NO" sz="3600" b="1" dirty="0" smtClean="0"/>
+              <a:t> different main-containers.</a:t>
+            </a:r>
+            <a:endParaRPr lang="en-US" sz="3600" b="1" dirty="0"/>
+          </a:p>
+        </p:txBody>
+      </p:sp>
+      <p:sp>
+        <p:nvSpPr>
+          <p:cNvPr id="11" name="TextBox 8"/>
+          <p:cNvSpPr txBox="1"/>
+          <p:nvPr/>
+        </p:nvSpPr>
+        <p:spPr>
+          <a:xfrm>
+            <a:off x="8908126" y="5624390"/>
+            <a:ext cx="1292858" cy="401321"/>
+          </a:xfrm>
+          <a:prstGeom prst="rect">
+            <a:avLst/>
+          </a:prstGeom>
+          <a:noFill/>
+        </p:spPr>
+        <p:txBody>
+          <a:bodyPr wrap="square" rtlCol="0">
+            <a:spAutoFit/>
+          </a:bodyPr>
+          <a:lstStyle/>
+          <a:p>
+            <a:r>
+              <a:rPr lang="nb-NO" dirty="0" smtClean="0">
+                <a:solidFill>
+                  <a:schemeClr val="bg2">
+                    <a:lumMod val="75000"/>
+                  </a:schemeClr>
+                </a:solidFill>
+              </a:rPr>
+              <a:t>Sven Malvik</a:t>
+            </a:r>
+            <a:endParaRPr lang="en-US" dirty="0">
+              <a:solidFill>
+                <a:schemeClr val="bg2">
+                  <a:lumMod val="75000"/>
+                </a:schemeClr>
+              </a:solidFill>
+            </a:endParaRPr>
+          </a:p>
+        </p:txBody>
+      </p:sp>
+      <p:sp>
+        <p:nvSpPr>
+          <p:cNvPr id="14" name="Rektangel 3"/>
+          <p:cNvSpPr/>
+          <p:nvPr/>
+        </p:nvSpPr>
+        <p:spPr>
+          <a:xfrm>
+            <a:off x="2277402" y="3671148"/>
+            <a:ext cx="3729878" cy="1371593"/>
+          </a:xfrm>
+          <a:prstGeom prst="rect">
+            <a:avLst/>
+          </a:prstGeom>
+          <a:solidFill>
+            <a:srgbClr val="262626"/>
+          </a:solidFill>
+          <a:ln w="50800">
+            <a:solidFill>
+              <a:schemeClr val="tx1">
+                <a:lumMod val="85000"/>
+                <a:lumOff val="15000"/>
+              </a:schemeClr>
+            </a:solidFill>
+          </a:ln>
+        </p:spPr>
+        <p:style>
+          <a:lnRef idx="2">
+            <a:schemeClr val="accent1">
+              <a:shade val="50000"/>
+            </a:schemeClr>
+          </a:lnRef>
+          <a:fillRef idx="1">
+            <a:schemeClr val="accent1"/>
+          </a:fillRef>
+          <a:effectRef idx="0">
+            <a:schemeClr val="accent1"/>
+          </a:effectRef>
+          <a:fontRef idx="minor">
+            <a:schemeClr val="lt1"/>
+          </a:fontRef>
+        </p:style>
+        <p:txBody>
+          <a:bodyPr rtlCol="0" anchor="ctr"/>
+          <a:lstStyle/>
+          <a:p>
+            <a:pPr algn="r"/>
+            <a:r>
+              <a:rPr lang="nb-NO" sz="2800" b="1" dirty="0" err="1" smtClean="0">
+                <a:solidFill>
+                  <a:schemeClr val="bg1"/>
+                </a:solidFill>
+              </a:rPr>
+              <a:t>enhances</a:t>
+            </a:r>
+            <a:r>
+              <a:rPr lang="nb-NO" sz="2800" b="1" dirty="0" smtClean="0">
+                <a:solidFill>
+                  <a:schemeClr val="bg1"/>
+                </a:solidFill>
+              </a:rPr>
+              <a:t> </a:t>
+            </a:r>
+            <a:r>
+              <a:rPr lang="nb-NO" sz="2800" b="1" dirty="0" err="1" smtClean="0">
+                <a:solidFill>
+                  <a:schemeClr val="bg1"/>
+                </a:solidFill>
+              </a:rPr>
+              <a:t>the</a:t>
+            </a:r>
+            <a:r>
+              <a:rPr lang="nb-NO" sz="2800" b="1" dirty="0" smtClean="0">
+                <a:solidFill>
+                  <a:schemeClr val="bg1"/>
+                </a:solidFill>
+              </a:rPr>
+              <a:t> ...</a:t>
+            </a:r>
+            <a:endParaRPr lang="nb-NO" sz="2800" b="1" dirty="0">
+              <a:solidFill>
+                <a:schemeClr val="bg1"/>
+              </a:solidFill>
+            </a:endParaRPr>
+          </a:p>
+        </p:txBody>
+      </p:sp>
+      <p:sp>
+        <p:nvSpPr>
+          <p:cNvPr id="15" name="Rektangel 3"/>
+          <p:cNvSpPr/>
+          <p:nvPr/>
+        </p:nvSpPr>
+        <p:spPr>
+          <a:xfrm>
+            <a:off x="6256725" y="3671148"/>
+            <a:ext cx="3508222" cy="1371593"/>
+          </a:xfrm>
+          <a:prstGeom prst="rect">
+            <a:avLst/>
+          </a:prstGeom>
+          <a:solidFill>
+            <a:schemeClr val="bg1">
+              <a:lumMod val="85000"/>
+            </a:schemeClr>
+          </a:solidFill>
+          <a:ln w="28575">
+            <a:solidFill>
+              <a:srgbClr val="D9D9D9"/>
+            </a:solidFill>
+          </a:ln>
+        </p:spPr>
+        <p:style>
+          <a:lnRef idx="2">
+            <a:schemeClr val="accent1">
+              <a:shade val="50000"/>
+            </a:schemeClr>
+          </a:lnRef>
+          <a:fillRef idx="1">
+            <a:schemeClr val="accent1"/>
+          </a:fillRef>
+          <a:effectRef idx="0">
+            <a:schemeClr val="accent1"/>
+          </a:effectRef>
+          <a:fontRef idx="minor">
+            <a:schemeClr val="lt1"/>
+          </a:fontRef>
+        </p:style>
+        <p:txBody>
+          <a:bodyPr rtlCol="0" anchor="ctr"/>
+          <a:lstStyle/>
+          <a:p>
+            <a:r>
+              <a:rPr lang="nb-NO" sz="2800" dirty="0" smtClean="0">
+                <a:solidFill>
+                  <a:schemeClr val="tx1"/>
+                </a:solidFill>
+              </a:rPr>
+              <a:t>… main</a:t>
+            </a:r>
+            <a:r>
+              <a:rPr lang="nb-NO" sz="2800" dirty="0">
+                <a:solidFill>
+                  <a:schemeClr val="tx1"/>
+                </a:solidFill>
+              </a:rPr>
+              <a:t>-</a:t>
+            </a:r>
+            <a:r>
+              <a:rPr lang="nb-NO" sz="2800" dirty="0" smtClean="0">
+                <a:solidFill>
+                  <a:schemeClr val="tx1"/>
+                </a:solidFill>
+              </a:rPr>
+              <a:t>container</a:t>
+            </a:r>
+            <a:endParaRPr lang="nb-NO" sz="2800" dirty="0">
+              <a:solidFill>
+                <a:schemeClr val="tx1"/>
+              </a:solidFill>
+            </a:endParaRPr>
+          </a:p>
+        </p:txBody>
+      </p:sp>
+      <p:sp>
+        <p:nvSpPr>
+          <p:cNvPr id="17" name="TextBox 16"/>
+          <p:cNvSpPr txBox="1"/>
+          <p:nvPr/>
+        </p:nvSpPr>
+        <p:spPr>
+          <a:xfrm>
+            <a:off x="2317890" y="3671148"/>
+            <a:ext cx="1114216" cy="461665"/>
+          </a:xfrm>
+          <a:prstGeom prst="rect">
+            <a:avLst/>
+          </a:prstGeom>
+          <a:noFill/>
+        </p:spPr>
+        <p:txBody>
+          <a:bodyPr wrap="none" rtlCol="0">
+            <a:spAutoFit/>
+          </a:bodyPr>
+          <a:lstStyle/>
+          <a:p>
+            <a:r>
+              <a:rPr lang="nb-NO" sz="2400" b="1" dirty="0" err="1" smtClean="0">
+                <a:solidFill>
+                  <a:srgbClr val="D9D9D9"/>
+                </a:solidFill>
+              </a:rPr>
+              <a:t>Sidecar</a:t>
+            </a:r>
+            <a:endParaRPr lang="en-US" sz="2400" b="1" dirty="0">
+              <a:solidFill>
+                <a:srgbClr val="D9D9D9"/>
+              </a:solidFill>
+            </a:endParaRPr>
+          </a:p>
+        </p:txBody>
+      </p:sp>
+      <p:sp>
+        <p:nvSpPr>
+          <p:cNvPr id="23" name="TextBox 22"/>
+          <p:cNvSpPr txBox="1"/>
+          <p:nvPr/>
+        </p:nvSpPr>
+        <p:spPr>
+          <a:xfrm>
+            <a:off x="1766564" y="5564046"/>
+            <a:ext cx="661015" cy="461665"/>
+          </a:xfrm>
+          <a:prstGeom prst="rect">
+            <a:avLst/>
+          </a:prstGeom>
+          <a:noFill/>
+        </p:spPr>
+        <p:txBody>
+          <a:bodyPr wrap="none" rtlCol="0">
+            <a:spAutoFit/>
+          </a:bodyPr>
+          <a:lstStyle/>
+          <a:p>
+            <a:r>
+              <a:rPr lang="nb-NO" sz="2400" dirty="0" smtClean="0">
+                <a:solidFill>
+                  <a:schemeClr val="tx1">
+                    <a:lumMod val="95000"/>
+                    <a:lumOff val="5000"/>
+                  </a:schemeClr>
+                </a:solidFill>
+              </a:rPr>
+              <a:t>Pod</a:t>
+            </a:r>
+            <a:endParaRPr lang="en-US" sz="2400" dirty="0">
+              <a:solidFill>
+                <a:schemeClr val="tx1">
+                  <a:lumMod val="95000"/>
+                  <a:lumOff val="5000"/>
+                </a:schemeClr>
+              </a:solidFill>
+            </a:endParaRPr>
+          </a:p>
+        </p:txBody>
+      </p:sp>
+    </p:spTree>
+    <p:extLst>
+      <p:ext uri="{BB962C8B-B14F-4D97-AF65-F5344CB8AC3E}">
+        <p14:creationId xmlns:p14="http://schemas.microsoft.com/office/powerpoint/2010/main" val="2142417470"/>
+      </p:ext>
+    </p:extLst>
+  </p:cSld>
+  <p:clrMapOvr>
+    <a:masterClrMapping/>
+  </p:clrMapOvr>
+  <p:timing>
+    <p:tnLst>
+      <p:par>
+        <p:cTn id="1" dur="indefinite" restart="never" nodeType="tmRoot"/>
+      </p:par>
+    </p:tnLst>
+  </p:timing>
+</p:sld>
+</file>
+
 <file path=ppt/theme/theme1.xml><?xml version="1.0" encoding="utf-8"?>
 <a:theme xmlns:a="http://schemas.openxmlformats.org/drawingml/2006/main" name="Office-tema">
   <a:themeElements>

--- a/insights.pptx
+++ b/insights.pptx
@@ -5048,6 +5048,118 @@
           </a:p>
         </p:txBody>
       </p:sp>
+      <p:sp>
+        <p:nvSpPr>
+          <p:cNvPr id="2" name="TextBox 1"/>
+          <p:cNvSpPr txBox="1"/>
+          <p:nvPr/>
+        </p:nvSpPr>
+        <p:spPr>
+          <a:xfrm>
+            <a:off x="0" y="13376"/>
+            <a:ext cx="3677673" cy="307777"/>
+          </a:xfrm>
+          <a:prstGeom prst="rect">
+            <a:avLst/>
+          </a:prstGeom>
+          <a:noFill/>
+        </p:spPr>
+        <p:txBody>
+          <a:bodyPr wrap="none" rtlCol="0">
+            <a:spAutoFit/>
+          </a:bodyPr>
+          <a:lstStyle/>
+          <a:p>
+            <a:r>
+              <a:rPr lang="nb-NO" sz="1400" dirty="0" err="1" smtClean="0">
+                <a:solidFill>
+                  <a:schemeClr val="bg1">
+                    <a:lumMod val="65000"/>
+                  </a:schemeClr>
+                </a:solidFill>
+              </a:rPr>
+              <a:t>Takeaways</a:t>
+            </a:r>
+            <a:r>
+              <a:rPr lang="nb-NO" sz="1400" dirty="0" smtClean="0">
+                <a:solidFill>
+                  <a:schemeClr val="bg1">
+                    <a:lumMod val="65000"/>
+                  </a:schemeClr>
+                </a:solidFill>
+              </a:rPr>
+              <a:t> from </a:t>
+            </a:r>
+            <a:r>
+              <a:rPr lang="nb-NO" sz="1400" dirty="0" err="1" smtClean="0">
+                <a:solidFill>
+                  <a:schemeClr val="bg1">
+                    <a:lumMod val="65000"/>
+                  </a:schemeClr>
+                </a:solidFill>
+              </a:rPr>
+              <a:t>the</a:t>
+            </a:r>
+            <a:r>
+              <a:rPr lang="nb-NO" sz="1400" dirty="0" smtClean="0">
+                <a:solidFill>
+                  <a:schemeClr val="bg1">
+                    <a:lumMod val="65000"/>
+                  </a:schemeClr>
+                </a:solidFill>
+              </a:rPr>
+              <a:t> book «The </a:t>
+            </a:r>
+            <a:r>
+              <a:rPr lang="nb-NO" sz="1400" dirty="0" err="1" smtClean="0">
+                <a:solidFill>
+                  <a:schemeClr val="bg1">
+                    <a:lumMod val="65000"/>
+                  </a:schemeClr>
+                </a:solidFill>
+              </a:rPr>
+              <a:t>McKinsey</a:t>
+            </a:r>
+            <a:r>
+              <a:rPr lang="nb-NO" sz="1400" dirty="0" smtClean="0">
+                <a:solidFill>
+                  <a:schemeClr val="bg1">
+                    <a:lumMod val="65000"/>
+                  </a:schemeClr>
+                </a:solidFill>
+              </a:rPr>
+              <a:t> </a:t>
+            </a:r>
+            <a:r>
+              <a:rPr lang="nb-NO" sz="1400" dirty="0" err="1" smtClean="0">
+                <a:solidFill>
+                  <a:schemeClr val="bg1">
+                    <a:lumMod val="65000"/>
+                  </a:schemeClr>
+                </a:solidFill>
+              </a:rPr>
+              <a:t>Way</a:t>
+            </a:r>
+            <a:r>
+              <a:rPr lang="nb-NO" sz="1400" dirty="0" smtClean="0">
+                <a:solidFill>
+                  <a:schemeClr val="bg1">
+                    <a:lumMod val="65000"/>
+                  </a:schemeClr>
+                </a:solidFill>
+              </a:rPr>
+              <a:t>».</a:t>
+            </a:r>
+            <a:endParaRPr lang="en-US" sz="1400" dirty="0">
+              <a:solidFill>
+                <a:schemeClr val="bg1">
+                  <a:lumMod val="65000"/>
+                </a:schemeClr>
+              </a:solidFill>
+            </a:endParaRPr>
+          </a:p>
+        </p:txBody>
+      </p:sp>
     </p:spTree>
     <p:extLst>
       <p:ext uri="{BB962C8B-B14F-4D97-AF65-F5344CB8AC3E}">
